--- a/lessons/block_1_basics/lsn4-python.pptx
+++ b/lessons/block_1_basics/lsn4-python.pptx
@@ -22,8 +22,8 @@
     <p:sldId id="303" r:id="rId13"/>
     <p:sldId id="318" r:id="rId14"/>
     <p:sldId id="320" r:id="rId15"/>
-    <p:sldId id="325" r:id="rId16"/>
-    <p:sldId id="326" r:id="rId17"/>
+    <p:sldId id="326" r:id="rId16"/>
+    <p:sldId id="325" r:id="rId17"/>
     <p:sldId id="328" r:id="rId18"/>
     <p:sldId id="329" r:id="rId19"/>
     <p:sldId id="330" r:id="rId20"/>
@@ -142,7 +142,7 @@
   </p:defaultTextStyle>
   <p:extLst>
     <p:ext uri="{EFAFB233-063F-42B5-8137-9DF3F51BA10A}">
-      <p15:sldGuideLst xmlns:p15="http://schemas.microsoft.com/office/powerpoint/2012/main" xmlns=""/>
+      <p15:sldGuideLst xmlns="" xmlns:p15="http://schemas.microsoft.com/office/powerpoint/2012/main"/>
     </p:ext>
   </p:extLst>
 </p:presentation>
@@ -230,7 +230,7 @@
           <a:p>
             <a:fld id="{BC811BEE-337F-4C7C-84E9-88C0950F901C}" type="datetimeFigureOut">
               <a:rPr lang="en-US" smtClean="0"/>
-              <a:t>8/10/2017</a:t>
+              <a:t>8/28/2017</a:t>
             </a:fld>
             <a:endParaRPr lang="en-US"/>
           </a:p>
@@ -1935,7 +1935,7 @@
           <a:p>
             <a:fld id="{83D215D1-042B-430B-BFF1-B4A81C183E23}" type="datetimeFigureOut">
               <a:rPr lang="en-US" smtClean="0"/>
-              <a:t>8/10/2017</a:t>
+              <a:t>8/28/2017</a:t>
             </a:fld>
             <a:endParaRPr lang="en-US"/>
           </a:p>
@@ -2105,7 +2105,7 @@
           <a:p>
             <a:fld id="{83D215D1-042B-430B-BFF1-B4A81C183E23}" type="datetimeFigureOut">
               <a:rPr lang="en-US" smtClean="0"/>
-              <a:t>8/10/2017</a:t>
+              <a:t>8/28/2017</a:t>
             </a:fld>
             <a:endParaRPr lang="en-US"/>
           </a:p>
@@ -2285,7 +2285,7 @@
           <a:p>
             <a:fld id="{83D215D1-042B-430B-BFF1-B4A81C183E23}" type="datetimeFigureOut">
               <a:rPr lang="en-US" smtClean="0"/>
-              <a:t>8/10/2017</a:t>
+              <a:t>8/28/2017</a:t>
             </a:fld>
             <a:endParaRPr lang="en-US"/>
           </a:p>
@@ -2455,7 +2455,7 @@
           <a:p>
             <a:fld id="{83D215D1-042B-430B-BFF1-B4A81C183E23}" type="datetimeFigureOut">
               <a:rPr lang="en-US" smtClean="0"/>
-              <a:t>8/10/2017</a:t>
+              <a:t>8/28/2017</a:t>
             </a:fld>
             <a:endParaRPr lang="en-US"/>
           </a:p>
@@ -2701,7 +2701,7 @@
           <a:p>
             <a:fld id="{83D215D1-042B-430B-BFF1-B4A81C183E23}" type="datetimeFigureOut">
               <a:rPr lang="en-US" smtClean="0"/>
-              <a:t>8/10/2017</a:t>
+              <a:t>8/28/2017</a:t>
             </a:fld>
             <a:endParaRPr lang="en-US"/>
           </a:p>
@@ -2933,7 +2933,7 @@
           <a:p>
             <a:fld id="{83D215D1-042B-430B-BFF1-B4A81C183E23}" type="datetimeFigureOut">
               <a:rPr lang="en-US" smtClean="0"/>
-              <a:t>8/10/2017</a:t>
+              <a:t>8/28/2017</a:t>
             </a:fld>
             <a:endParaRPr lang="en-US"/>
           </a:p>
@@ -3300,7 +3300,7 @@
           <a:p>
             <a:fld id="{83D215D1-042B-430B-BFF1-B4A81C183E23}" type="datetimeFigureOut">
               <a:rPr lang="en-US" smtClean="0"/>
-              <a:t>8/10/2017</a:t>
+              <a:t>8/28/2017</a:t>
             </a:fld>
             <a:endParaRPr lang="en-US"/>
           </a:p>
@@ -3418,7 +3418,7 @@
           <a:p>
             <a:fld id="{83D215D1-042B-430B-BFF1-B4A81C183E23}" type="datetimeFigureOut">
               <a:rPr lang="en-US" smtClean="0"/>
-              <a:t>8/10/2017</a:t>
+              <a:t>8/28/2017</a:t>
             </a:fld>
             <a:endParaRPr lang="en-US"/>
           </a:p>
@@ -3513,7 +3513,7 @@
           <a:p>
             <a:fld id="{83D215D1-042B-430B-BFF1-B4A81C183E23}" type="datetimeFigureOut">
               <a:rPr lang="en-US" smtClean="0"/>
-              <a:t>8/10/2017</a:t>
+              <a:t>8/28/2017</a:t>
             </a:fld>
             <a:endParaRPr lang="en-US"/>
           </a:p>
@@ -3790,7 +3790,7 @@
           <a:p>
             <a:fld id="{83D215D1-042B-430B-BFF1-B4A81C183E23}" type="datetimeFigureOut">
               <a:rPr lang="en-US" smtClean="0"/>
-              <a:t>8/10/2017</a:t>
+              <a:t>8/28/2017</a:t>
             </a:fld>
             <a:endParaRPr lang="en-US"/>
           </a:p>
@@ -4043,7 +4043,7 @@
           <a:p>
             <a:fld id="{83D215D1-042B-430B-BFF1-B4A81C183E23}" type="datetimeFigureOut">
               <a:rPr lang="en-US" smtClean="0"/>
-              <a:t>8/10/2017</a:t>
+              <a:t>8/28/2017</a:t>
             </a:fld>
             <a:endParaRPr lang="en-US"/>
           </a:p>
@@ -4256,7 +4256,7 @@
           <a:p>
             <a:fld id="{83D215D1-042B-430B-BFF1-B4A81C183E23}" type="datetimeFigureOut">
               <a:rPr lang="en-US" smtClean="0"/>
-              <a:t>8/10/2017</a:t>
+              <a:t>8/28/2017</a:t>
             </a:fld>
             <a:endParaRPr lang="en-US"/>
           </a:p>
@@ -6941,8 +6941,24 @@
               <a:buNone/>
             </a:pPr>
             <a:r>
-              <a:rPr lang="en-US" altLang="en-US"/>
-              <a:t>def foo(x):</a:t>
+              <a:rPr lang="en-US" altLang="en-US" dirty="0" err="1">
+                <a:solidFill>
+                  <a:srgbClr val="FF0000"/>
+                </a:solidFill>
+              </a:rPr>
+              <a:t>def</a:t>
+            </a:r>
+            <a:r>
+              <a:rPr lang="en-US" altLang="en-US" dirty="0">
+                <a:solidFill>
+                  <a:srgbClr val="FF0000"/>
+                </a:solidFill>
+              </a:rPr>
+              <a:t> </a:t>
+            </a:r>
+            <a:r>
+              <a:rPr lang="en-US" altLang="en-US" dirty="0"/>
+              <a:t>foo(x):</a:t>
             </a:r>
           </a:p>
           <a:p>
@@ -6951,7 +6967,7 @@
               <a:buNone/>
             </a:pPr>
             <a:r>
-              <a:rPr lang="en-US" altLang="en-US"/>
+              <a:rPr lang="en-US" altLang="en-US" dirty="0"/>
               <a:t>    return 1/x</a:t>
             </a:r>
           </a:p>
@@ -6960,7 +6976,7 @@
               <a:buFontTx/>
               <a:buNone/>
             </a:pPr>
-            <a:endParaRPr lang="en-US" altLang="en-US"/>
+            <a:endParaRPr lang="en-US" altLang="en-US" dirty="0"/>
           </a:p>
           <a:p>
             <a:pPr lvl="1">
@@ -6968,8 +6984,16 @@
               <a:buNone/>
             </a:pPr>
             <a:r>
-              <a:rPr lang="en-US" altLang="en-US"/>
-              <a:t>def bar(x):</a:t>
+              <a:rPr lang="en-US" altLang="en-US" dirty="0" err="1">
+                <a:solidFill>
+                  <a:srgbClr val="FF0000"/>
+                </a:solidFill>
+              </a:rPr>
+              <a:t>def</a:t>
+            </a:r>
+            <a:r>
+              <a:rPr lang="en-US" altLang="en-US" dirty="0"/>
+              <a:t> bar(x):</a:t>
             </a:r>
           </a:p>
           <a:p>
@@ -6978,8 +7002,16 @@
               <a:buNone/>
             </a:pPr>
             <a:r>
-              <a:rPr lang="en-US" altLang="en-US"/>
-              <a:t>    try:</a:t>
+              <a:rPr lang="en-US" altLang="en-US" dirty="0"/>
+              <a:t>    </a:t>
+            </a:r>
+            <a:r>
+              <a:rPr lang="en-US" altLang="en-US" dirty="0">
+                <a:solidFill>
+                  <a:srgbClr val="7030A0"/>
+                </a:solidFill>
+              </a:rPr>
+              <a:t>try:</a:t>
             </a:r>
           </a:p>
           <a:p>
@@ -6988,9 +7020,22 @@
               <a:buNone/>
             </a:pPr>
             <a:r>
-              <a:rPr lang="en-US" altLang="en-US"/>
-              <a:t>        print foo(x)</a:t>
-            </a:r>
+              <a:rPr lang="en-US" altLang="en-US" dirty="0"/>
+              <a:t>        </a:t>
+            </a:r>
+            <a:r>
+              <a:rPr lang="en-US" altLang="en-US" dirty="0" smtClean="0"/>
+              <a:t>print( </a:t>
+            </a:r>
+            <a:r>
+              <a:rPr lang="en-US" altLang="en-US" dirty="0"/>
+              <a:t>foo(x</a:t>
+            </a:r>
+            <a:r>
+              <a:rPr lang="en-US" altLang="en-US" dirty="0" smtClean="0"/>
+              <a:t>) )</a:t>
+            </a:r>
+            <a:endParaRPr lang="en-US" altLang="en-US" dirty="0"/>
           </a:p>
           <a:p>
             <a:pPr lvl="1">
@@ -6998,8 +7043,28 @@
               <a:buNone/>
             </a:pPr>
             <a:r>
-              <a:rPr lang="en-US" altLang="en-US"/>
-              <a:t>    except ZeroDivisionError, message:</a:t>
+              <a:rPr lang="en-US" altLang="en-US" dirty="0"/>
+              <a:t>    </a:t>
+            </a:r>
+            <a:r>
+              <a:rPr lang="en-US" altLang="en-US" dirty="0">
+                <a:solidFill>
+                  <a:srgbClr val="7030A0"/>
+                </a:solidFill>
+              </a:rPr>
+              <a:t>except</a:t>
+            </a:r>
+            <a:r>
+              <a:rPr lang="en-US" altLang="en-US" dirty="0"/>
+              <a:t> </a:t>
+            </a:r>
+            <a:r>
+              <a:rPr lang="en-US" altLang="en-US" dirty="0" err="1"/>
+              <a:t>ZeroDivisionError</a:t>
+            </a:r>
+            <a:r>
+              <a:rPr lang="en-US" altLang="en-US" dirty="0"/>
+              <a:t>, message:</a:t>
             </a:r>
           </a:p>
           <a:p>
@@ -7008,7 +7073,7 @@
               <a:buNone/>
             </a:pPr>
             <a:r>
-              <a:rPr lang="en-US" altLang="en-US"/>
+              <a:rPr lang="en-US" altLang="en-US" dirty="0"/>
               <a:t>        print "Can’t divide by zero:", message</a:t>
             </a:r>
           </a:p>
@@ -7017,7 +7082,7 @@
               <a:buFontTx/>
               <a:buNone/>
             </a:pPr>
-            <a:endParaRPr lang="en-US" altLang="en-US"/>
+            <a:endParaRPr lang="en-US" altLang="en-US" dirty="0"/>
           </a:p>
           <a:p>
             <a:pPr lvl="1">
@@ -7025,7 +7090,7 @@
               <a:buNone/>
             </a:pPr>
             <a:r>
-              <a:rPr lang="en-US" altLang="en-US"/>
+              <a:rPr lang="en-US" altLang="en-US" dirty="0"/>
               <a:t>bar(0)</a:t>
             </a:r>
           </a:p>
@@ -7041,6 +7106,13 @@
   <p:clrMapOvr>
     <a:masterClrMapping/>
   </p:clrMapOvr>
+  <p:timing>
+    <p:tnLst>
+      <p:par>
+        <p:cTn id="1" dur="indefinite" restart="never" nodeType="tmRoot"/>
+      </p:par>
+    </p:tnLst>
+  </p:timing>
 </p:sld>
 </file>
 
@@ -7099,63 +7171,165 @@
           <a:lstStyle/>
           <a:p>
             <a:r>
-              <a:rPr lang="en-US" altLang="en-US"/>
-              <a:t>raise IndexError</a:t>
-            </a:r>
-          </a:p>
-          <a:p>
-            <a:r>
-              <a:rPr lang="en-US" altLang="en-US"/>
-              <a:t>raise IndexError("k out of range")</a:t>
-            </a:r>
-          </a:p>
-          <a:p>
-            <a:r>
-              <a:rPr lang="en-US" altLang="en-US"/>
-              <a:t>raise IndexError, "k out of range"</a:t>
-            </a:r>
-          </a:p>
-          <a:p>
-            <a:r>
-              <a:rPr lang="en-US" altLang="en-US"/>
-              <a:t>try:</a:t>
+              <a:rPr lang="en-US" altLang="en-US" dirty="0"/>
+              <a:t>raise </a:t>
+            </a:r>
+            <a:r>
+              <a:rPr lang="en-US" altLang="en-US" dirty="0" smtClean="0">
+                <a:solidFill>
+                  <a:srgbClr val="00B0F0"/>
+                </a:solidFill>
+              </a:rPr>
+              <a:t>Exception</a:t>
+            </a:r>
+            <a:endParaRPr lang="en-US" altLang="en-US" dirty="0">
+              <a:solidFill>
+                <a:srgbClr val="00B0F0"/>
+              </a:solidFill>
+            </a:endParaRPr>
+          </a:p>
+          <a:p>
+            <a:r>
+              <a:rPr lang="en-US" altLang="en-US" dirty="0"/>
+              <a:t>raise </a:t>
+            </a:r>
+            <a:r>
+              <a:rPr lang="en-US" altLang="en-US" dirty="0">
+                <a:solidFill>
+                  <a:srgbClr val="00B0F0"/>
+                </a:solidFill>
+              </a:rPr>
+              <a:t>Exception</a:t>
+            </a:r>
+            <a:r>
+              <a:rPr lang="en-US" altLang="en-US" dirty="0"/>
+              <a:t>("</a:t>
+            </a:r>
+            <a:r>
+              <a:rPr lang="en-US" altLang="en-US" dirty="0"/>
+              <a:t>k out of range")</a:t>
+            </a:r>
+          </a:p>
+          <a:p>
+            <a:r>
+              <a:rPr lang="en-US" altLang="en-US" dirty="0"/>
+              <a:t>raise </a:t>
+            </a:r>
+            <a:r>
+              <a:rPr lang="en-US" altLang="en-US" dirty="0">
+                <a:solidFill>
+                  <a:srgbClr val="00B0F0"/>
+                </a:solidFill>
+              </a:rPr>
+              <a:t>Exception</a:t>
+            </a:r>
+            <a:r>
+              <a:rPr lang="en-US" altLang="en-US" dirty="0"/>
+              <a:t>, </a:t>
+            </a:r>
+            <a:r>
+              <a:rPr lang="en-US" altLang="en-US" dirty="0"/>
+              <a:t>"k out of range"</a:t>
+            </a:r>
+          </a:p>
+          <a:p>
+            <a:r>
+              <a:rPr lang="en-US" altLang="en-US" dirty="0">
+                <a:solidFill>
+                  <a:srgbClr val="7030A0"/>
+                </a:solidFill>
+              </a:rPr>
+              <a:t>try</a:t>
+            </a:r>
+            <a:r>
+              <a:rPr lang="en-US" altLang="en-US" dirty="0"/>
+              <a:t>:</a:t>
             </a:r>
             <a:br>
-              <a:rPr lang="en-US" altLang="en-US"/>
+              <a:rPr lang="en-US" altLang="en-US" dirty="0"/>
             </a:br>
             <a:r>
-              <a:rPr lang="en-US" altLang="en-US"/>
+              <a:rPr lang="en-US" altLang="en-US" dirty="0"/>
               <a:t>    </a:t>
             </a:r>
             <a:r>
-              <a:rPr lang="en-US" altLang="en-US" i="1"/>
+              <a:rPr lang="en-US" altLang="en-US" i="1" dirty="0"/>
               <a:t>something</a:t>
             </a:r>
             <a:r>
-              <a:rPr lang="en-US" altLang="en-US"/>
+              <a:rPr lang="en-US" altLang="en-US" dirty="0"/>
               <a:t/>
             </a:r>
             <a:br>
-              <a:rPr lang="en-US" altLang="en-US"/>
+              <a:rPr lang="en-US" altLang="en-US" dirty="0"/>
             </a:br>
             <a:r>
-              <a:rPr lang="en-US" altLang="en-US"/>
-              <a:t>except:	# catch everything</a:t>
+              <a:rPr lang="en-US" altLang="en-US" dirty="0">
+                <a:solidFill>
+                  <a:srgbClr val="7030A0"/>
+                </a:solidFill>
+              </a:rPr>
+              <a:t>except</a:t>
+            </a:r>
+            <a:r>
+              <a:rPr lang="en-US" altLang="en-US" dirty="0"/>
+              <a:t>:	</a:t>
+            </a:r>
+            <a:r>
+              <a:rPr lang="en-US" altLang="en-US" dirty="0">
+                <a:solidFill>
+                  <a:srgbClr val="00B050"/>
+                </a:solidFill>
+              </a:rPr>
+              <a:t># catch everything</a:t>
             </a:r>
             <a:br>
-              <a:rPr lang="en-US" altLang="en-US"/>
+              <a:rPr lang="en-US" altLang="en-US" dirty="0">
+                <a:solidFill>
+                  <a:srgbClr val="00B050"/>
+                </a:solidFill>
+              </a:rPr>
             </a:br>
             <a:r>
-              <a:rPr lang="en-US" altLang="en-US"/>
-              <a:t>    print "Oops"</a:t>
+              <a:rPr lang="en-US" altLang="en-US" dirty="0"/>
+              <a:t>    </a:t>
+            </a:r>
+            <a:r>
+              <a:rPr lang="en-US" altLang="en-US" dirty="0" smtClean="0"/>
+              <a:t>print("Oops“)</a:t>
+            </a:r>
+            <a:r>
+              <a:rPr lang="en-US" altLang="en-US" dirty="0"/>
+              <a:t/>
             </a:r>
             <a:br>
-              <a:rPr lang="en-US" altLang="en-US"/>
+              <a:rPr lang="en-US" altLang="en-US" dirty="0"/>
             </a:br>
             <a:r>
-              <a:rPr lang="en-US" altLang="en-US"/>
-              <a:t>    raise	# reraise</a:t>
-            </a:r>
+              <a:rPr lang="en-US" altLang="en-US" dirty="0"/>
+              <a:t>    raise	</a:t>
+            </a:r>
+            <a:r>
+              <a:rPr lang="en-US" altLang="en-US" dirty="0">
+                <a:solidFill>
+                  <a:srgbClr val="00B050"/>
+                </a:solidFill>
+              </a:rPr>
+              <a:t># </a:t>
+            </a:r>
+            <a:r>
+              <a:rPr lang="en-US" altLang="en-US" dirty="0" smtClean="0">
+                <a:solidFill>
+                  <a:srgbClr val="00B050"/>
+                </a:solidFill>
+              </a:rPr>
+              <a:t>raise the exception that called this exception</a:t>
+            </a:r>
+            <a:endParaRPr lang="en-US" altLang="en-US" dirty="0">
+              <a:solidFill>
+                <a:srgbClr val="00B050"/>
+              </a:solidFill>
+            </a:endParaRPr>
           </a:p>
         </p:txBody>
       </p:sp>
@@ -7169,6 +7343,13 @@
   <p:clrMapOvr>
     <a:masterClrMapping/>
   </p:clrMapOvr>
+  <p:timing>
+    <p:tnLst>
+      <p:par>
+        <p:cTn id="1" dur="indefinite" restart="never" nodeType="tmRoot"/>
+      </p:par>
+    </p:tnLst>
+  </p:timing>
 </p:sld>
 </file>
 
@@ -7204,18 +7385,18 @@
           <a:bodyPr/>
           <a:lstStyle/>
           <a:p>
-            <a:fld id="{EAAC1449-AC72-4014-90C9-E01EC0D91FDC}" type="slidenum">
+            <a:fld id="{FC462C5A-1295-4127-9B23-E87967B135ED}" type="slidenum">
               <a:rPr lang="en-US" altLang="en-US"/>
               <a:pPr/>
               <a:t>15</a:t>
             </a:fld>
-            <a:endParaRPr lang="en-US" altLang="en-US" dirty="0"/>
+            <a:endParaRPr lang="en-US" altLang="en-US"/>
           </a:p>
         </p:txBody>
       </p:sp>
       <p:sp>
         <p:nvSpPr>
-          <p:cNvPr id="1421314" name="Rectangle 2"/>
+          <p:cNvPr id="1531906" name="Rectangle 2"/>
           <p:cNvSpPr>
             <a:spLocks noGrp="1" noChangeArrowheads="1"/>
           </p:cNvSpPr>
@@ -7229,25 +7410,17 @@
           <a:lstStyle/>
           <a:p>
             <a:r>
-              <a:rPr lang="en-US" altLang="en-US"/>
-              <a:t>The </a:t>
-            </a:r>
-            <a:r>
               <a:rPr lang="en-US" altLang="en-US">
                 <a:latin typeface="Courier New" panose="02070309020205020404" pitchFamily="49" charset="0"/>
               </a:rPr>
-              <a:t>for</a:t>
-            </a:r>
-            <a:r>
-              <a:rPr lang="en-US" altLang="en-US"/>
-              <a:t> loop</a:t>
+              <a:t>range</a:t>
             </a:r>
           </a:p>
         </p:txBody>
       </p:sp>
       <p:sp>
         <p:nvSpPr>
-          <p:cNvPr id="1421315" name="Rectangle 3"/>
+          <p:cNvPr id="1531907" name="Rectangle 3"/>
           <p:cNvSpPr>
             <a:spLocks noGrp="1" noChangeArrowheads="1"/>
           </p:cNvSpPr>
@@ -7258,7 +7431,7 @@
         <p:spPr/>
         <p:txBody>
           <a:bodyPr>
-            <a:normAutofit fontScale="92500" lnSpcReduction="20000"/>
+            <a:normAutofit fontScale="70000" lnSpcReduction="20000"/>
           </a:bodyPr>
           <a:lstStyle/>
           <a:p>
@@ -7268,19 +7441,95 @@
               </a:lnSpc>
             </a:pPr>
             <a:r>
-              <a:rPr lang="en-US" altLang="en-US" sz="1800" b="1">
+              <a:rPr lang="en-US" altLang="en-US" dirty="0"/>
+              <a:t>The </a:t>
+            </a:r>
+            <a:r>
+              <a:rPr lang="en-US" altLang="en-US" dirty="0">
                 <a:latin typeface="Courier New" panose="02070309020205020404" pitchFamily="49" charset="0"/>
               </a:rPr>
-              <a:t>for</a:t>
-            </a:r>
-            <a:r>
-              <a:rPr lang="en-US" altLang="en-US" sz="1800" b="1"/>
-              <a:t> loop</a:t>
-            </a:r>
-            <a:r>
-              <a:rPr lang="en-US" altLang="en-US" sz="1800"/>
-              <a:t>: Repeats a set of statements over a group of values.</a:t>
-            </a:r>
+              <a:t>range</a:t>
+            </a:r>
+            <a:r>
+              <a:rPr lang="en-US" altLang="en-US" dirty="0"/>
+              <a:t> function specifies a range of integers:</a:t>
+            </a:r>
+          </a:p>
+          <a:p>
+            <a:pPr lvl="2">
+              <a:lnSpc>
+                <a:spcPct val="90000"/>
+              </a:lnSpc>
+            </a:pPr>
+            <a:r>
+              <a:rPr lang="en-US" altLang="en-US" dirty="0">
+                <a:latin typeface="Courier New" panose="02070309020205020404" pitchFamily="49" charset="0"/>
+              </a:rPr>
+              <a:t>range(</a:t>
+            </a:r>
+            <a:r>
+              <a:rPr lang="en-US" altLang="en-US" b="1" i="1" dirty="0"/>
+              <a:t>start</a:t>
+            </a:r>
+            <a:r>
+              <a:rPr lang="en-US" altLang="en-US" dirty="0">
+                <a:latin typeface="Courier New" panose="02070309020205020404" pitchFamily="49" charset="0"/>
+              </a:rPr>
+              <a:t>, </a:t>
+            </a:r>
+            <a:r>
+              <a:rPr lang="en-US" altLang="en-US" b="1" i="1" dirty="0"/>
+              <a:t>stop</a:t>
+            </a:r>
+            <a:r>
+              <a:rPr lang="en-US" altLang="en-US" dirty="0">
+                <a:latin typeface="Courier New" panose="02070309020205020404" pitchFamily="49" charset="0"/>
+              </a:rPr>
+              <a:t>)</a:t>
+            </a:r>
+            <a:r>
+              <a:rPr lang="en-US" altLang="en-US" dirty="0"/>
+              <a:t> 	- the integers between </a:t>
+            </a:r>
+            <a:r>
+              <a:rPr lang="en-US" altLang="en-US" b="1" i="1" dirty="0"/>
+              <a:t>start</a:t>
+            </a:r>
+            <a:r>
+              <a:rPr lang="en-US" altLang="en-US" dirty="0"/>
+              <a:t> (inclusive)</a:t>
+            </a:r>
+          </a:p>
+          <a:p>
+            <a:pPr lvl="2">
+              <a:lnSpc>
+                <a:spcPct val="90000"/>
+              </a:lnSpc>
+              <a:buFont typeface="Wingdings" panose="05000000000000000000" pitchFamily="2" charset="2"/>
+              <a:buNone/>
+            </a:pPr>
+            <a:r>
+              <a:rPr lang="en-US" altLang="en-US" dirty="0"/>
+              <a:t>				  and </a:t>
+            </a:r>
+            <a:r>
+              <a:rPr lang="en-US" altLang="en-US" b="1" i="1" dirty="0"/>
+              <a:t>stop</a:t>
+            </a:r>
+            <a:r>
+              <a:rPr lang="en-US" altLang="en-US" dirty="0"/>
+              <a:t> (exclusive)</a:t>
+            </a:r>
+          </a:p>
+          <a:p>
+            <a:pPr lvl="2">
+              <a:lnSpc>
+                <a:spcPct val="90000"/>
+              </a:lnSpc>
+              <a:buFont typeface="Wingdings" panose="05000000000000000000" pitchFamily="2" charset="2"/>
+              <a:buNone/>
+            </a:pPr>
+            <a:endParaRPr lang="en-US" altLang="en-US" sz="900" dirty="0"/>
           </a:p>
           <a:p>
             <a:pPr lvl="1">
@@ -7288,7 +7537,98 @@
                 <a:spcPct val="90000"/>
               </a:lnSpc>
             </a:pPr>
-            <a:endParaRPr lang="en-US" altLang="en-US" sz="700"/>
+            <a:r>
+              <a:rPr lang="en-US" altLang="en-US" dirty="0"/>
+              <a:t>It can also accept a third value specifying the change between values.</a:t>
+            </a:r>
+          </a:p>
+          <a:p>
+            <a:pPr lvl="2">
+              <a:lnSpc>
+                <a:spcPct val="90000"/>
+              </a:lnSpc>
+            </a:pPr>
+            <a:r>
+              <a:rPr lang="en-US" altLang="en-US" dirty="0">
+                <a:latin typeface="Courier New" panose="02070309020205020404" pitchFamily="49" charset="0"/>
+              </a:rPr>
+              <a:t>range(</a:t>
+            </a:r>
+            <a:r>
+              <a:rPr lang="en-US" altLang="en-US" b="1" i="1" dirty="0"/>
+              <a:t>start</a:t>
+            </a:r>
+            <a:r>
+              <a:rPr lang="en-US" altLang="en-US" dirty="0">
+                <a:latin typeface="Courier New" panose="02070309020205020404" pitchFamily="49" charset="0"/>
+              </a:rPr>
+              <a:t>, </a:t>
+            </a:r>
+            <a:r>
+              <a:rPr lang="en-US" altLang="en-US" b="1" i="1" dirty="0"/>
+              <a:t>stop</a:t>
+            </a:r>
+            <a:r>
+              <a:rPr lang="en-US" altLang="en-US" b="1" i="1" dirty="0">
+                <a:latin typeface="Courier New" panose="02070309020205020404" pitchFamily="49" charset="0"/>
+              </a:rPr>
+              <a:t>, </a:t>
+            </a:r>
+            <a:r>
+              <a:rPr lang="en-US" altLang="en-US" b="1" i="1" dirty="0"/>
+              <a:t>step</a:t>
+            </a:r>
+            <a:r>
+              <a:rPr lang="en-US" altLang="en-US" dirty="0">
+                <a:latin typeface="Courier New" panose="02070309020205020404" pitchFamily="49" charset="0"/>
+              </a:rPr>
+              <a:t>)</a:t>
+            </a:r>
+            <a:r>
+              <a:rPr lang="en-US" altLang="en-US" dirty="0"/>
+              <a:t> - the integers between </a:t>
+            </a:r>
+            <a:r>
+              <a:rPr lang="en-US" altLang="en-US" b="1" i="1" dirty="0"/>
+              <a:t>start</a:t>
+            </a:r>
+            <a:r>
+              <a:rPr lang="en-US" altLang="en-US" dirty="0"/>
+              <a:t> (inclusive)</a:t>
+            </a:r>
+          </a:p>
+          <a:p>
+            <a:pPr lvl="2">
+              <a:lnSpc>
+                <a:spcPct val="90000"/>
+              </a:lnSpc>
+              <a:buFont typeface="Wingdings" panose="05000000000000000000" pitchFamily="2" charset="2"/>
+              <a:buNone/>
+            </a:pPr>
+            <a:r>
+              <a:rPr lang="en-US" altLang="en-US" dirty="0"/>
+              <a:t>				  and </a:t>
+            </a:r>
+            <a:r>
+              <a:rPr lang="en-US" altLang="en-US" b="1" i="1" dirty="0"/>
+              <a:t>stop</a:t>
+            </a:r>
+            <a:r>
+              <a:rPr lang="en-US" altLang="en-US" dirty="0"/>
+              <a:t> (exclusive) by </a:t>
+            </a:r>
+            <a:r>
+              <a:rPr lang="en-US" altLang="en-US" b="1" i="1" dirty="0"/>
+              <a:t>step</a:t>
+            </a:r>
+          </a:p>
+          <a:p>
+            <a:pPr>
+              <a:lnSpc>
+                <a:spcPct val="90000"/>
+              </a:lnSpc>
+            </a:pPr>
+            <a:endParaRPr lang="en-US" altLang="en-US" sz="900" dirty="0"/>
           </a:p>
           <a:p>
             <a:pPr lvl="1">
@@ -7297,9 +7637,91 @@
               </a:lnSpc>
             </a:pPr>
             <a:r>
-              <a:rPr lang="en-US" altLang="en-US" sz="1600"/>
-              <a:t>Syntax:</a:t>
-            </a:r>
+              <a:rPr lang="en-US" altLang="en-US" dirty="0"/>
+              <a:t>Example:</a:t>
+            </a:r>
+          </a:p>
+          <a:p>
+            <a:pPr lvl="1">
+              <a:lnSpc>
+                <a:spcPct val="70000"/>
+              </a:lnSpc>
+              <a:buFont typeface="Wingdings" panose="05000000000000000000" pitchFamily="2" charset="2"/>
+              <a:buNone/>
+            </a:pPr>
+            <a:r>
+              <a:rPr lang="en-US" altLang="en-US" dirty="0"/>
+              <a:t>	</a:t>
+            </a:r>
+            <a:r>
+              <a:rPr lang="en-US" altLang="en-US" dirty="0">
+                <a:latin typeface="Courier New" panose="02070309020205020404" pitchFamily="49" charset="0"/>
+              </a:rPr>
+              <a:t>for x in range(5, 0, </a:t>
+            </a:r>
+            <a:r>
+              <a:rPr lang="en-US" altLang="en-US" b="1" dirty="0">
+                <a:latin typeface="Courier New" panose="02070309020205020404" pitchFamily="49" charset="0"/>
+              </a:rPr>
+              <a:t>-1</a:t>
+            </a:r>
+            <a:r>
+              <a:rPr lang="en-US" altLang="en-US" dirty="0">
+                <a:latin typeface="Courier New" panose="02070309020205020404" pitchFamily="49" charset="0"/>
+              </a:rPr>
+              <a:t>):</a:t>
+            </a:r>
+          </a:p>
+          <a:p>
+            <a:pPr lvl="1">
+              <a:lnSpc>
+                <a:spcPct val="70000"/>
+              </a:lnSpc>
+              <a:buFont typeface="Wingdings" panose="05000000000000000000" pitchFamily="2" charset="2"/>
+              <a:buNone/>
+            </a:pPr>
+            <a:r>
+              <a:rPr lang="en-US" altLang="en-US" dirty="0">
+                <a:latin typeface="Courier New" panose="02070309020205020404" pitchFamily="49" charset="0"/>
+              </a:rPr>
+              <a:t>	    print x</a:t>
+            </a:r>
+          </a:p>
+          <a:p>
+            <a:pPr lvl="1">
+              <a:lnSpc>
+                <a:spcPct val="70000"/>
+              </a:lnSpc>
+              <a:buFont typeface="Wingdings" panose="05000000000000000000" pitchFamily="2" charset="2"/>
+              <a:buNone/>
+            </a:pPr>
+            <a:r>
+              <a:rPr lang="en-US" altLang="en-US" dirty="0">
+                <a:latin typeface="Courier New" panose="02070309020205020404" pitchFamily="49" charset="0"/>
+              </a:rPr>
+              <a:t>	</a:t>
+            </a:r>
+            <a:r>
+              <a:rPr lang="en-US" altLang="en-US" dirty="0" smtClean="0">
+                <a:latin typeface="Courier New" panose="02070309020205020404" pitchFamily="49" charset="0"/>
+              </a:rPr>
+              <a:t>print("</a:t>
+            </a:r>
+            <a:r>
+              <a:rPr lang="en-US" altLang="en-US" dirty="0">
+                <a:latin typeface="Courier New" panose="02070309020205020404" pitchFamily="49" charset="0"/>
+              </a:rPr>
+              <a:t>Blastoff</a:t>
+            </a:r>
+            <a:r>
+              <a:rPr lang="en-US" altLang="en-US" dirty="0" smtClean="0">
+                <a:latin typeface="Courier New" panose="02070309020205020404" pitchFamily="49" charset="0"/>
+              </a:rPr>
+              <a:t>!“)</a:t>
+            </a:r>
+            <a:endParaRPr lang="en-US" altLang="en-US" dirty="0">
+              <a:latin typeface="Courier New" panose="02070309020205020404" pitchFamily="49" charset="0"/>
+            </a:endParaRPr>
           </a:p>
           <a:p>
             <a:pPr lvl="1">
@@ -7309,7 +7731,9 @@
               <a:buFont typeface="Wingdings" panose="05000000000000000000" pitchFamily="2" charset="2"/>
               <a:buNone/>
             </a:pPr>
-            <a:endParaRPr lang="en-US" altLang="en-US" sz="700"/>
+            <a:endParaRPr lang="en-US" altLang="en-US" sz="900" dirty="0">
+              <a:latin typeface="Courier New" panose="02070309020205020404" pitchFamily="49" charset="0"/>
+            </a:endParaRPr>
           </a:p>
           <a:p>
             <a:pPr lvl="1">
@@ -7320,30 +7744,98 @@
               <a:buNone/>
             </a:pPr>
             <a:r>
-              <a:rPr lang="en-US" altLang="en-US" sz="1600">
+              <a:rPr lang="en-US" altLang="en-US" dirty="0"/>
+              <a:t>	Output:</a:t>
+            </a:r>
+          </a:p>
+          <a:p>
+            <a:pPr lvl="1">
+              <a:lnSpc>
+                <a:spcPct val="60000"/>
+              </a:lnSpc>
+              <a:buFont typeface="Wingdings" panose="05000000000000000000" pitchFamily="2" charset="2"/>
+              <a:buNone/>
+            </a:pPr>
+            <a:r>
+              <a:rPr lang="en-US" altLang="en-US" dirty="0">
                 <a:latin typeface="Courier New" panose="02070309020205020404" pitchFamily="49" charset="0"/>
               </a:rPr>
-              <a:t>	for </a:t>
-            </a:r>
-            <a:r>
-              <a:rPr lang="en-US" altLang="en-US" sz="1600" b="1" i="1"/>
-              <a:t>variableName</a:t>
-            </a:r>
-            <a:r>
-              <a:rPr lang="en-US" altLang="en-US" sz="1600">
+              <a:t>	5</a:t>
+            </a:r>
+          </a:p>
+          <a:p>
+            <a:pPr lvl="1">
+              <a:lnSpc>
+                <a:spcPct val="60000"/>
+              </a:lnSpc>
+              <a:buFont typeface="Wingdings" panose="05000000000000000000" pitchFamily="2" charset="2"/>
+              <a:buNone/>
+            </a:pPr>
+            <a:r>
+              <a:rPr lang="en-US" altLang="en-US" dirty="0">
                 <a:latin typeface="Courier New" panose="02070309020205020404" pitchFamily="49" charset="0"/>
               </a:rPr>
-              <a:t> in </a:t>
-            </a:r>
-            <a:r>
-              <a:rPr lang="en-US" altLang="en-US" sz="1600" b="1" i="1"/>
-              <a:t>groupOfValues</a:t>
-            </a:r>
-            <a:r>
-              <a:rPr lang="en-US" altLang="en-US" sz="1600">
+              <a:t>	4</a:t>
+            </a:r>
+          </a:p>
+          <a:p>
+            <a:pPr lvl="1">
+              <a:lnSpc>
+                <a:spcPct val="60000"/>
+              </a:lnSpc>
+              <a:buFont typeface="Wingdings" panose="05000000000000000000" pitchFamily="2" charset="2"/>
+              <a:buNone/>
+            </a:pPr>
+            <a:r>
+              <a:rPr lang="en-US" altLang="en-US" dirty="0">
                 <a:latin typeface="Courier New" panose="02070309020205020404" pitchFamily="49" charset="0"/>
               </a:rPr>
-              <a:t>:</a:t>
+              <a:t>	3 </a:t>
+            </a:r>
+          </a:p>
+          <a:p>
+            <a:pPr lvl="1">
+              <a:lnSpc>
+                <a:spcPct val="60000"/>
+              </a:lnSpc>
+              <a:buFont typeface="Wingdings" panose="05000000000000000000" pitchFamily="2" charset="2"/>
+              <a:buNone/>
+            </a:pPr>
+            <a:r>
+              <a:rPr lang="en-US" altLang="en-US" dirty="0">
+                <a:latin typeface="Courier New" panose="02070309020205020404" pitchFamily="49" charset="0"/>
+              </a:rPr>
+              <a:t>	2</a:t>
+            </a:r>
+          </a:p>
+          <a:p>
+            <a:pPr lvl="1">
+              <a:lnSpc>
+                <a:spcPct val="60000"/>
+              </a:lnSpc>
+              <a:buFont typeface="Wingdings" panose="05000000000000000000" pitchFamily="2" charset="2"/>
+              <a:buNone/>
+            </a:pPr>
+            <a:r>
+              <a:rPr lang="en-US" altLang="en-US" dirty="0">
+                <a:latin typeface="Courier New" panose="02070309020205020404" pitchFamily="49" charset="0"/>
+              </a:rPr>
+              <a:t>	1</a:t>
+            </a:r>
+          </a:p>
+          <a:p>
+            <a:pPr lvl="1">
+              <a:lnSpc>
+                <a:spcPct val="60000"/>
+              </a:lnSpc>
+              <a:buFont typeface="Wingdings" panose="05000000000000000000" pitchFamily="2" charset="2"/>
+              <a:buNone/>
+            </a:pPr>
+            <a:r>
+              <a:rPr lang="en-US" altLang="en-US" dirty="0">
+                <a:latin typeface="Courier New" panose="02070309020205020404" pitchFamily="49" charset="0"/>
+              </a:rPr>
+              <a:t>	Blastoff!</a:t>
             </a:r>
           </a:p>
           <a:p>
@@ -7354,245 +7846,23 @@
               <a:buFont typeface="Wingdings" panose="05000000000000000000" pitchFamily="2" charset="2"/>
               <a:buNone/>
             </a:pPr>
-            <a:r>
-              <a:rPr lang="en-US" altLang="en-US" sz="1600">
-                <a:latin typeface="Courier New" panose="02070309020205020404" pitchFamily="49" charset="0"/>
-              </a:rPr>
-              <a:t>	    </a:t>
-            </a:r>
-            <a:r>
-              <a:rPr lang="en-US" altLang="en-US" sz="1600" b="1" i="1"/>
-              <a:t>statements</a:t>
-            </a:r>
-            <a:endParaRPr lang="en-US" altLang="en-US" sz="1600">
+            <a:endParaRPr lang="en-US" altLang="en-US" sz="800" dirty="0">
               <a:latin typeface="Courier New" panose="02070309020205020404" pitchFamily="49" charset="0"/>
             </a:endParaRPr>
-          </a:p>
-          <a:p>
-            <a:pPr lvl="1">
-              <a:lnSpc>
-                <a:spcPct val="90000"/>
-              </a:lnSpc>
-              <a:buFont typeface="Wingdings" panose="05000000000000000000" pitchFamily="2" charset="2"/>
-              <a:buNone/>
-            </a:pPr>
-            <a:endParaRPr lang="en-US" altLang="en-US" sz="800"/>
-          </a:p>
-          <a:p>
-            <a:pPr lvl="2">
-              <a:lnSpc>
-                <a:spcPct val="90000"/>
-              </a:lnSpc>
-            </a:pPr>
-            <a:r>
-              <a:rPr lang="en-US" altLang="en-US" sz="1400"/>
-              <a:t>We indent the statements to be repeated with tabs or spaces.</a:t>
-            </a:r>
-          </a:p>
-          <a:p>
-            <a:pPr lvl="2">
-              <a:lnSpc>
-                <a:spcPct val="90000"/>
-              </a:lnSpc>
-            </a:pPr>
-            <a:r>
-              <a:rPr lang="en-US" altLang="en-US" sz="1400" b="1" i="1"/>
-              <a:t>variableName</a:t>
-            </a:r>
-            <a:r>
-              <a:rPr lang="en-US" altLang="en-US" sz="1400"/>
-              <a:t> gives a name to each value, so you can refer to it in the </a:t>
-            </a:r>
-            <a:r>
-              <a:rPr lang="en-US" altLang="en-US" sz="1400" b="1" i="1"/>
-              <a:t>statements</a:t>
-            </a:r>
-            <a:r>
-              <a:rPr lang="en-US" altLang="en-US" sz="1400"/>
-              <a:t>.</a:t>
-            </a:r>
-            <a:endParaRPr lang="en-US" altLang="en-US" sz="600"/>
-          </a:p>
-          <a:p>
-            <a:pPr lvl="2">
-              <a:lnSpc>
-                <a:spcPct val="90000"/>
-              </a:lnSpc>
-            </a:pPr>
-            <a:r>
-              <a:rPr lang="en-US" altLang="en-US" sz="1400" b="1" i="1"/>
-              <a:t>groupOfValues</a:t>
-            </a:r>
-            <a:r>
-              <a:rPr lang="en-US" altLang="en-US" sz="1400"/>
-              <a:t> can be a range of integers, specified with the </a:t>
-            </a:r>
-            <a:r>
-              <a:rPr lang="en-US" altLang="en-US" sz="1400">
-                <a:latin typeface="Courier New" panose="02070309020205020404" pitchFamily="49" charset="0"/>
-              </a:rPr>
-              <a:t>range</a:t>
-            </a:r>
-            <a:r>
-              <a:rPr lang="en-US" altLang="en-US" sz="1400"/>
-              <a:t> function.</a:t>
-            </a:r>
-          </a:p>
-          <a:p>
-            <a:pPr lvl="1">
-              <a:lnSpc>
-                <a:spcPct val="90000"/>
-              </a:lnSpc>
-            </a:pPr>
-            <a:endParaRPr lang="en-US" altLang="en-US" sz="1600"/>
-          </a:p>
-          <a:p>
-            <a:pPr lvl="1">
-              <a:lnSpc>
-                <a:spcPct val="90000"/>
-              </a:lnSpc>
-            </a:pPr>
-            <a:r>
-              <a:rPr lang="en-US" altLang="en-US" sz="1600"/>
-              <a:t>Example:</a:t>
-            </a:r>
-          </a:p>
-          <a:p>
-            <a:pPr lvl="1">
-              <a:lnSpc>
-                <a:spcPct val="90000"/>
-              </a:lnSpc>
-              <a:buFont typeface="Wingdings" panose="05000000000000000000" pitchFamily="2" charset="2"/>
-              <a:buNone/>
-            </a:pPr>
-            <a:endParaRPr lang="en-US" altLang="en-US" sz="700"/>
-          </a:p>
-          <a:p>
-            <a:pPr lvl="1">
-              <a:lnSpc>
-                <a:spcPct val="70000"/>
-              </a:lnSpc>
-              <a:buFont typeface="Wingdings" panose="05000000000000000000" pitchFamily="2" charset="2"/>
-              <a:buNone/>
-            </a:pPr>
-            <a:r>
-              <a:rPr lang="en-US" altLang="en-US" sz="1600" b="1">
-                <a:latin typeface="Courier New" panose="02070309020205020404" pitchFamily="49" charset="0"/>
-              </a:rPr>
-              <a:t>	for x in range(1, 6):</a:t>
-            </a:r>
-          </a:p>
-          <a:p>
-            <a:pPr lvl="1">
-              <a:lnSpc>
-                <a:spcPct val="70000"/>
-              </a:lnSpc>
-              <a:buFont typeface="Wingdings" panose="05000000000000000000" pitchFamily="2" charset="2"/>
-              <a:buNone/>
-            </a:pPr>
-            <a:r>
-              <a:rPr lang="en-US" altLang="en-US" sz="1600">
-                <a:latin typeface="Courier New" panose="02070309020205020404" pitchFamily="49" charset="0"/>
-              </a:rPr>
-              <a:t>	    print x, "squared is", x * x</a:t>
-            </a:r>
-          </a:p>
-          <a:p>
-            <a:pPr lvl="1">
-              <a:lnSpc>
-                <a:spcPct val="90000"/>
-              </a:lnSpc>
-              <a:buFont typeface="Wingdings" panose="05000000000000000000" pitchFamily="2" charset="2"/>
-              <a:buNone/>
-            </a:pPr>
-            <a:endParaRPr lang="en-US" altLang="en-US" sz="1600"/>
-          </a:p>
-          <a:p>
-            <a:pPr lvl="1">
-              <a:lnSpc>
-                <a:spcPct val="90000"/>
-              </a:lnSpc>
-              <a:buFont typeface="Wingdings" panose="05000000000000000000" pitchFamily="2" charset="2"/>
-              <a:buNone/>
-            </a:pPr>
-            <a:r>
-              <a:rPr lang="en-US" altLang="en-US" sz="1600"/>
-              <a:t>	Output:</a:t>
-            </a:r>
           </a:p>
           <a:p>
             <a:pPr lvl="1">
               <a:lnSpc>
                 <a:spcPct val="80000"/>
               </a:lnSpc>
-              <a:buFont typeface="Wingdings" panose="05000000000000000000" pitchFamily="2" charset="2"/>
-              <a:buNone/>
             </a:pPr>
             <a:r>
-              <a:rPr lang="en-US" altLang="en-US" sz="1600">
-                <a:latin typeface="Courier New" panose="02070309020205020404" pitchFamily="49" charset="0"/>
-              </a:rPr>
-              <a:t>	1 squared is 1</a:t>
-            </a:r>
-          </a:p>
-          <a:p>
-            <a:pPr lvl="1">
-              <a:lnSpc>
-                <a:spcPct val="80000"/>
-              </a:lnSpc>
-              <a:buFont typeface="Wingdings" panose="05000000000000000000" pitchFamily="2" charset="2"/>
-              <a:buNone/>
-            </a:pPr>
-            <a:r>
-              <a:rPr lang="en-US" altLang="en-US" sz="1600">
-                <a:latin typeface="Courier New" panose="02070309020205020404" pitchFamily="49" charset="0"/>
-              </a:rPr>
-              <a:t>	2 squared is 4</a:t>
-            </a:r>
-          </a:p>
-          <a:p>
-            <a:pPr lvl="1">
-              <a:lnSpc>
-                <a:spcPct val="80000"/>
-              </a:lnSpc>
-              <a:buFont typeface="Wingdings" panose="05000000000000000000" pitchFamily="2" charset="2"/>
-              <a:buNone/>
-            </a:pPr>
-            <a:r>
-              <a:rPr lang="en-US" altLang="en-US" sz="1600">
-                <a:latin typeface="Courier New" panose="02070309020205020404" pitchFamily="49" charset="0"/>
-              </a:rPr>
-              <a:t>	3 squared is 9</a:t>
-            </a:r>
-          </a:p>
-          <a:p>
-            <a:pPr lvl="1">
-              <a:lnSpc>
-                <a:spcPct val="80000"/>
-              </a:lnSpc>
-              <a:buFont typeface="Wingdings" panose="05000000000000000000" pitchFamily="2" charset="2"/>
-              <a:buNone/>
-            </a:pPr>
-            <a:r>
-              <a:rPr lang="en-US" altLang="en-US" sz="1600">
-                <a:latin typeface="Courier New" panose="02070309020205020404" pitchFamily="49" charset="0"/>
-              </a:rPr>
-              <a:t>	4 squared is 16</a:t>
-            </a:r>
-          </a:p>
-          <a:p>
-            <a:pPr lvl="1">
-              <a:lnSpc>
-                <a:spcPct val="80000"/>
-              </a:lnSpc>
-              <a:buFont typeface="Wingdings" panose="05000000000000000000" pitchFamily="2" charset="2"/>
-              <a:buNone/>
-            </a:pPr>
-            <a:r>
-              <a:rPr lang="en-US" altLang="en-US" sz="1600">
-                <a:latin typeface="Courier New" panose="02070309020205020404" pitchFamily="49" charset="0"/>
-              </a:rPr>
-              <a:t>	5 squared is 25</a:t>
+              <a:rPr lang="en-US" altLang="en-US" b="1" dirty="0"/>
+              <a:t>Exercise: </a:t>
+            </a:r>
+            <a:r>
+              <a:rPr lang="en-US" altLang="en-US" dirty="0"/>
+              <a:t>How would we print the "99 Bottles of Beer" song?</a:t>
             </a:r>
           </a:p>
         </p:txBody>
@@ -7600,7 +7870,7 @@
     </p:spTree>
     <p:extLst>
       <p:ext uri="{BB962C8B-B14F-4D97-AF65-F5344CB8AC3E}">
-        <p14:creationId xmlns:p14="http://schemas.microsoft.com/office/powerpoint/2010/main" val="942571742"/>
+        <p14:creationId xmlns:p14="http://schemas.microsoft.com/office/powerpoint/2010/main" val="819271812"/>
       </p:ext>
     </p:extLst>
   </p:cSld>
@@ -7657,18 +7927,18 @@
           <a:bodyPr/>
           <a:lstStyle/>
           <a:p>
-            <a:fld id="{FC462C5A-1295-4127-9B23-E87967B135ED}" type="slidenum">
+            <a:fld id="{EAAC1449-AC72-4014-90C9-E01EC0D91FDC}" type="slidenum">
               <a:rPr lang="en-US" altLang="en-US"/>
               <a:pPr/>
               <a:t>16</a:t>
             </a:fld>
-            <a:endParaRPr lang="en-US" altLang="en-US"/>
+            <a:endParaRPr lang="en-US" altLang="en-US" dirty="0"/>
           </a:p>
         </p:txBody>
       </p:sp>
       <p:sp>
         <p:nvSpPr>
-          <p:cNvPr id="1531906" name="Rectangle 2"/>
+          <p:cNvPr id="1421314" name="Rectangle 2"/>
           <p:cNvSpPr>
             <a:spLocks noGrp="1" noChangeArrowheads="1"/>
           </p:cNvSpPr>
@@ -7682,17 +7952,25 @@
           <a:lstStyle/>
           <a:p>
             <a:r>
+              <a:rPr lang="en-US" altLang="en-US"/>
+              <a:t>The </a:t>
+            </a:r>
+            <a:r>
               <a:rPr lang="en-US" altLang="en-US">
                 <a:latin typeface="Courier New" panose="02070309020205020404" pitchFamily="49" charset="0"/>
               </a:rPr>
-              <a:t>range</a:t>
+              <a:t>for</a:t>
+            </a:r>
+            <a:r>
+              <a:rPr lang="en-US" altLang="en-US"/>
+              <a:t> loop</a:t>
             </a:r>
           </a:p>
         </p:txBody>
       </p:sp>
       <p:sp>
         <p:nvSpPr>
-          <p:cNvPr id="1531907" name="Rectangle 3"/>
+          <p:cNvPr id="1421315" name="Rectangle 3"/>
           <p:cNvSpPr>
             <a:spLocks noGrp="1" noChangeArrowheads="1"/>
           </p:cNvSpPr>
@@ -7703,7 +7981,7 @@
         <p:spPr/>
         <p:txBody>
           <a:bodyPr>
-            <a:normAutofit fontScale="70000" lnSpcReduction="20000"/>
+            <a:normAutofit fontScale="92500" lnSpcReduction="20000"/>
           </a:bodyPr>
           <a:lstStyle/>
           <a:p>
@@ -7713,164 +7991,86 @@
               </a:lnSpc>
             </a:pPr>
             <a:r>
-              <a:rPr lang="en-US" altLang="en-US"/>
-              <a:t>The </a:t>
-            </a:r>
-            <a:r>
-              <a:rPr lang="en-US" altLang="en-US">
+              <a:rPr lang="en-US" altLang="en-US" sz="1800" b="1" dirty="0">
                 <a:latin typeface="Courier New" panose="02070309020205020404" pitchFamily="49" charset="0"/>
               </a:rPr>
-              <a:t>range</a:t>
-            </a:r>
-            <a:r>
-              <a:rPr lang="en-US" altLang="en-US"/>
-              <a:t> function specifies a range of integers:</a:t>
-            </a:r>
-          </a:p>
-          <a:p>
-            <a:pPr lvl="2">
+              <a:t>for</a:t>
+            </a:r>
+            <a:r>
+              <a:rPr lang="en-US" altLang="en-US" sz="1800" b="1" dirty="0"/>
+              <a:t> loop</a:t>
+            </a:r>
+            <a:r>
+              <a:rPr lang="en-US" altLang="en-US" sz="1800" dirty="0"/>
+              <a:t>: Repeats a set of statements over a group of values.</a:t>
+            </a:r>
+          </a:p>
+          <a:p>
+            <a:pPr lvl="1">
               <a:lnSpc>
                 <a:spcPct val="90000"/>
               </a:lnSpc>
             </a:pPr>
-            <a:r>
-              <a:rPr lang="en-US" altLang="en-US">
-                <a:latin typeface="Courier New" panose="02070309020205020404" pitchFamily="49" charset="0"/>
-              </a:rPr>
-              <a:t>range(</a:t>
-            </a:r>
-            <a:r>
-              <a:rPr lang="en-US" altLang="en-US" b="1" i="1"/>
-              <a:t>start</a:t>
-            </a:r>
-            <a:r>
-              <a:rPr lang="en-US" altLang="en-US">
-                <a:latin typeface="Courier New" panose="02070309020205020404" pitchFamily="49" charset="0"/>
-              </a:rPr>
-              <a:t>, </a:t>
-            </a:r>
-            <a:r>
-              <a:rPr lang="en-US" altLang="en-US" b="1" i="1"/>
-              <a:t>stop</a:t>
-            </a:r>
-            <a:r>
-              <a:rPr lang="en-US" altLang="en-US">
-                <a:latin typeface="Courier New" panose="02070309020205020404" pitchFamily="49" charset="0"/>
-              </a:rPr>
-              <a:t>)</a:t>
-            </a:r>
-            <a:r>
-              <a:rPr lang="en-US" altLang="en-US"/>
-              <a:t> 	- the integers between </a:t>
-            </a:r>
-            <a:r>
-              <a:rPr lang="en-US" altLang="en-US" b="1" i="1"/>
-              <a:t>start</a:t>
-            </a:r>
-            <a:r>
-              <a:rPr lang="en-US" altLang="en-US"/>
-              <a:t> (inclusive)</a:t>
-            </a:r>
-          </a:p>
-          <a:p>
-            <a:pPr lvl="2">
+            <a:endParaRPr lang="en-US" altLang="en-US" sz="700" dirty="0"/>
+          </a:p>
+          <a:p>
+            <a:pPr lvl="1">
+              <a:lnSpc>
+                <a:spcPct val="90000"/>
+              </a:lnSpc>
+            </a:pPr>
+            <a:r>
+              <a:rPr lang="en-US" altLang="en-US" sz="1600" dirty="0"/>
+              <a:t>Syntax:</a:t>
+            </a:r>
+          </a:p>
+          <a:p>
+            <a:pPr lvl="1">
               <a:lnSpc>
                 <a:spcPct val="90000"/>
               </a:lnSpc>
               <a:buFont typeface="Wingdings" panose="05000000000000000000" pitchFamily="2" charset="2"/>
               <a:buNone/>
             </a:pPr>
-            <a:r>
-              <a:rPr lang="en-US" altLang="en-US"/>
-              <a:t>				  and </a:t>
-            </a:r>
-            <a:r>
-              <a:rPr lang="en-US" altLang="en-US" b="1" i="1"/>
-              <a:t>stop</a:t>
-            </a:r>
-            <a:r>
-              <a:rPr lang="en-US" altLang="en-US"/>
-              <a:t> (exclusive)</a:t>
-            </a:r>
-          </a:p>
-          <a:p>
-            <a:pPr lvl="2">
+            <a:endParaRPr lang="en-US" altLang="en-US" sz="700" dirty="0"/>
+          </a:p>
+          <a:p>
+            <a:pPr lvl="1">
               <a:lnSpc>
                 <a:spcPct val="90000"/>
               </a:lnSpc>
               <a:buFont typeface="Wingdings" panose="05000000000000000000" pitchFamily="2" charset="2"/>
               <a:buNone/>
             </a:pPr>
-            <a:endParaRPr lang="en-US" altLang="en-US" sz="900"/>
+            <a:r>
+              <a:rPr lang="en-US" altLang="en-US" sz="1600" dirty="0">
+                <a:latin typeface="Courier New" panose="02070309020205020404" pitchFamily="49" charset="0"/>
+              </a:rPr>
+              <a:t>	for </a:t>
+            </a:r>
+            <a:r>
+              <a:rPr lang="en-US" altLang="en-US" sz="1600" b="1" i="1" dirty="0" err="1"/>
+              <a:t>variableName</a:t>
+            </a:r>
+            <a:r>
+              <a:rPr lang="en-US" altLang="en-US" sz="1600" dirty="0">
+                <a:latin typeface="Courier New" panose="02070309020205020404" pitchFamily="49" charset="0"/>
+              </a:rPr>
+              <a:t> in </a:t>
+            </a:r>
+            <a:r>
+              <a:rPr lang="en-US" altLang="en-US" sz="1600" b="1" i="1" dirty="0" err="1"/>
+              <a:t>groupOfValues</a:t>
+            </a:r>
+            <a:r>
+              <a:rPr lang="en-US" altLang="en-US" sz="1600" dirty="0">
+                <a:latin typeface="Courier New" panose="02070309020205020404" pitchFamily="49" charset="0"/>
+              </a:rPr>
+              <a:t>:</a:t>
+            </a:r>
           </a:p>
           <a:p>
             <a:pPr lvl="1">
-              <a:lnSpc>
-                <a:spcPct val="90000"/>
-              </a:lnSpc>
-            </a:pPr>
-            <a:r>
-              <a:rPr lang="en-US" altLang="en-US"/>
-              <a:t>It can also accept a third value specifying the change between values.</a:t>
-            </a:r>
-          </a:p>
-          <a:p>
-            <a:pPr lvl="2">
-              <a:lnSpc>
-                <a:spcPct val="90000"/>
-              </a:lnSpc>
-            </a:pPr>
-            <a:r>
-              <a:rPr lang="en-US" altLang="en-US">
-                <a:latin typeface="Courier New" panose="02070309020205020404" pitchFamily="49" charset="0"/>
-              </a:rPr>
-              <a:t>range(</a:t>
-            </a:r>
-            <a:r>
-              <a:rPr lang="en-US" altLang="en-US" b="1" i="1"/>
-              <a:t>start</a:t>
-            </a:r>
-            <a:r>
-              <a:rPr lang="en-US" altLang="en-US">
-                <a:latin typeface="Courier New" panose="02070309020205020404" pitchFamily="49" charset="0"/>
-              </a:rPr>
-              <a:t>, </a:t>
-            </a:r>
-            <a:r>
-              <a:rPr lang="en-US" altLang="en-US" b="1" i="1"/>
-              <a:t>stop</a:t>
-            </a:r>
-            <a:r>
-              <a:rPr lang="en-US" altLang="en-US" b="1" i="1">
-                <a:latin typeface="Courier New" panose="02070309020205020404" pitchFamily="49" charset="0"/>
-              </a:rPr>
-              <a:t>, </a:t>
-            </a:r>
-            <a:r>
-              <a:rPr lang="en-US" altLang="en-US" b="1" i="1"/>
-              <a:t>step</a:t>
-            </a:r>
-            <a:r>
-              <a:rPr lang="en-US" altLang="en-US">
-                <a:latin typeface="Courier New" panose="02070309020205020404" pitchFamily="49" charset="0"/>
-              </a:rPr>
-              <a:t>)</a:t>
-            </a:r>
-            <a:r>
-              <a:rPr lang="en-US" altLang="en-US"/>
-              <a:t> - the integers between </a:t>
-            </a:r>
-            <a:r>
-              <a:rPr lang="en-US" altLang="en-US" b="1" i="1"/>
-              <a:t>start</a:t>
-            </a:r>
-            <a:r>
-              <a:rPr lang="en-US" altLang="en-US"/>
-              <a:t> (inclusive)</a:t>
-            </a:r>
-          </a:p>
-          <a:p>
-            <a:pPr lvl="2">
               <a:lnSpc>
                 <a:spcPct val="90000"/>
               </a:lnSpc>
@@ -7878,29 +8078,88 @@
               <a:buNone/>
             </a:pPr>
             <a:r>
-              <a:rPr lang="en-US" altLang="en-US"/>
-              <a:t>				  and </a:t>
-            </a:r>
-            <a:r>
-              <a:rPr lang="en-US" altLang="en-US" b="1" i="1"/>
-              <a:t>stop</a:t>
-            </a:r>
-            <a:r>
-              <a:rPr lang="en-US" altLang="en-US"/>
-              <a:t> (exclusive) by </a:t>
-            </a:r>
-            <a:r>
-              <a:rPr lang="en-US" altLang="en-US" b="1" i="1"/>
-              <a:t>step</a:t>
-            </a:r>
-          </a:p>
-          <a:p>
-            <a:pPr>
+              <a:rPr lang="en-US" altLang="en-US" sz="1600" dirty="0">
+                <a:latin typeface="Courier New" panose="02070309020205020404" pitchFamily="49" charset="0"/>
+              </a:rPr>
+              <a:t>	    </a:t>
+            </a:r>
+            <a:r>
+              <a:rPr lang="en-US" altLang="en-US" sz="1600" b="1" i="1" dirty="0"/>
+              <a:t>statements</a:t>
+            </a:r>
+            <a:endParaRPr lang="en-US" altLang="en-US" sz="1600" dirty="0">
+              <a:latin typeface="Courier New" panose="02070309020205020404" pitchFamily="49" charset="0"/>
+            </a:endParaRPr>
+          </a:p>
+          <a:p>
+            <a:pPr lvl="1">
+              <a:lnSpc>
+                <a:spcPct val="90000"/>
+              </a:lnSpc>
+              <a:buFont typeface="Wingdings" panose="05000000000000000000" pitchFamily="2" charset="2"/>
+              <a:buNone/>
+            </a:pPr>
+            <a:endParaRPr lang="en-US" altLang="en-US" sz="800" dirty="0"/>
+          </a:p>
+          <a:p>
+            <a:pPr lvl="2">
               <a:lnSpc>
                 <a:spcPct val="90000"/>
               </a:lnSpc>
             </a:pPr>
-            <a:endParaRPr lang="en-US" altLang="en-US" sz="900"/>
+            <a:r>
+              <a:rPr lang="en-US" altLang="en-US" sz="1400" dirty="0"/>
+              <a:t>We indent the statements to be repeated with tabs or spaces.</a:t>
+            </a:r>
+          </a:p>
+          <a:p>
+            <a:pPr lvl="2">
+              <a:lnSpc>
+                <a:spcPct val="90000"/>
+              </a:lnSpc>
+            </a:pPr>
+            <a:r>
+              <a:rPr lang="en-US" altLang="en-US" sz="1400" b="1" i="1" dirty="0" err="1"/>
+              <a:t>variableName</a:t>
+            </a:r>
+            <a:r>
+              <a:rPr lang="en-US" altLang="en-US" sz="1400" dirty="0"/>
+              <a:t> gives a name to each value, so you can refer to it in the </a:t>
+            </a:r>
+            <a:r>
+              <a:rPr lang="en-US" altLang="en-US" sz="1400" b="1" i="1" dirty="0"/>
+              <a:t>statements</a:t>
+            </a:r>
+            <a:r>
+              <a:rPr lang="en-US" altLang="en-US" sz="1400" dirty="0"/>
+              <a:t>.</a:t>
+            </a:r>
+            <a:endParaRPr lang="en-US" altLang="en-US" sz="600" dirty="0"/>
+          </a:p>
+          <a:p>
+            <a:pPr lvl="2">
+              <a:lnSpc>
+                <a:spcPct val="90000"/>
+              </a:lnSpc>
+            </a:pPr>
+            <a:r>
+              <a:rPr lang="en-US" altLang="en-US" sz="1400" b="1" i="1" dirty="0" err="1"/>
+              <a:t>groupOfValues</a:t>
+            </a:r>
+            <a:r>
+              <a:rPr lang="en-US" altLang="en-US" sz="1400" dirty="0"/>
+              <a:t> can be a range of integers, specified with the </a:t>
+            </a:r>
+            <a:r>
+              <a:rPr lang="en-US" altLang="en-US" sz="1400" dirty="0">
+                <a:latin typeface="Courier New" panose="02070309020205020404" pitchFamily="49" charset="0"/>
+              </a:rPr>
+              <a:t>range</a:t>
+            </a:r>
+            <a:r>
+              <a:rPr lang="en-US" altLang="en-US" sz="1400" dirty="0"/>
+              <a:t> function.</a:t>
+            </a:r>
           </a:p>
           <a:p>
             <a:pPr lvl="1">
@@ -7908,10 +8167,28 @@
                 <a:spcPct val="90000"/>
               </a:lnSpc>
             </a:pPr>
-            <a:r>
-              <a:rPr lang="en-US" altLang="en-US"/>
+            <a:endParaRPr lang="en-US" altLang="en-US" sz="1600" dirty="0"/>
+          </a:p>
+          <a:p>
+            <a:pPr lvl="1">
+              <a:lnSpc>
+                <a:spcPct val="90000"/>
+              </a:lnSpc>
+            </a:pPr>
+            <a:r>
+              <a:rPr lang="en-US" altLang="en-US" sz="1600" dirty="0"/>
               <a:t>Example:</a:t>
             </a:r>
+          </a:p>
+          <a:p>
+            <a:pPr lvl="1">
+              <a:lnSpc>
+                <a:spcPct val="90000"/>
+              </a:lnSpc>
+              <a:buFont typeface="Wingdings" panose="05000000000000000000" pitchFamily="2" charset="2"/>
+              <a:buNone/>
+            </a:pPr>
+            <a:endParaRPr lang="en-US" altLang="en-US" sz="700" dirty="0"/>
           </a:p>
           <a:p>
             <a:pPr lvl="1">
@@ -7922,26 +8199,10 @@
               <a:buNone/>
             </a:pPr>
             <a:r>
-              <a:rPr lang="en-US" altLang="en-US"/>
-              <a:t>	</a:t>
-            </a:r>
-            <a:r>
-              <a:rPr lang="en-US" altLang="en-US">
+              <a:rPr lang="en-US" altLang="en-US" sz="1600" b="1" dirty="0">
                 <a:latin typeface="Courier New" panose="02070309020205020404" pitchFamily="49" charset="0"/>
               </a:rPr>
-              <a:t>for x in range(5, 0, </a:t>
-            </a:r>
-            <a:r>
-              <a:rPr lang="en-US" altLang="en-US" b="1">
-                <a:latin typeface="Courier New" panose="02070309020205020404" pitchFamily="49" charset="0"/>
-              </a:rPr>
-              <a:t>-1</a:t>
-            </a:r>
-            <a:r>
-              <a:rPr lang="en-US" altLang="en-US">
-                <a:latin typeface="Courier New" panose="02070309020205020404" pitchFamily="49" charset="0"/>
-              </a:rPr>
-              <a:t>):</a:t>
+              <a:t>	for x in range(1, 6):</a:t>
             </a:r>
           </a:p>
           <a:p>
@@ -7953,26 +8214,32 @@
               <a:buNone/>
             </a:pPr>
             <a:r>
-              <a:rPr lang="en-US" altLang="en-US">
+              <a:rPr lang="en-US" altLang="en-US" sz="1600" dirty="0">
                 <a:latin typeface="Courier New" panose="02070309020205020404" pitchFamily="49" charset="0"/>
               </a:rPr>
-              <a:t>	    print x</a:t>
-            </a:r>
-          </a:p>
-          <a:p>
-            <a:pPr lvl="1">
-              <a:lnSpc>
-                <a:spcPct val="70000"/>
-              </a:lnSpc>
-              <a:buFont typeface="Wingdings" panose="05000000000000000000" pitchFamily="2" charset="2"/>
-              <a:buNone/>
-            </a:pPr>
-            <a:r>
-              <a:rPr lang="en-US" altLang="en-US">
+              <a:t>	    </a:t>
+            </a:r>
+            <a:r>
+              <a:rPr lang="en-US" altLang="en-US" sz="1600" dirty="0" smtClean="0">
                 <a:latin typeface="Courier New" panose="02070309020205020404" pitchFamily="49" charset="0"/>
               </a:rPr>
-              <a:t>	print "Blastoff!"</a:t>
-            </a:r>
+              <a:t>print(x</a:t>
+            </a:r>
+            <a:r>
+              <a:rPr lang="en-US" altLang="en-US" sz="1600" dirty="0">
+                <a:latin typeface="Courier New" panose="02070309020205020404" pitchFamily="49" charset="0"/>
+              </a:rPr>
+              <a:t>, "squared is", x * </a:t>
+            </a:r>
+            <a:r>
+              <a:rPr lang="en-US" altLang="en-US" sz="1600" dirty="0" smtClean="0">
+                <a:latin typeface="Courier New" panose="02070309020205020404" pitchFamily="49" charset="0"/>
+              </a:rPr>
+              <a:t>x)</a:t>
+            </a:r>
+            <a:endParaRPr lang="en-US" altLang="en-US" sz="1600" dirty="0">
+              <a:latin typeface="Courier New" panose="02070309020205020404" pitchFamily="49" charset="0"/>
+            </a:endParaRPr>
           </a:p>
           <a:p>
             <a:pPr lvl="1">
@@ -7982,9 +8249,7 @@
               <a:buFont typeface="Wingdings" panose="05000000000000000000" pitchFamily="2" charset="2"/>
               <a:buNone/>
             </a:pPr>
-            <a:endParaRPr lang="en-US" altLang="en-US" sz="900">
-              <a:latin typeface="Courier New" panose="02070309020205020404" pitchFamily="49" charset="0"/>
-            </a:endParaRPr>
+            <a:endParaRPr lang="en-US" altLang="en-US" sz="1600" dirty="0"/>
           </a:p>
           <a:p>
             <a:pPr lvl="1">
@@ -7995,125 +8260,83 @@
               <a:buNone/>
             </a:pPr>
             <a:r>
-              <a:rPr lang="en-US" altLang="en-US"/>
+              <a:rPr lang="en-US" altLang="en-US" sz="1600" dirty="0"/>
               <a:t>	Output:</a:t>
             </a:r>
           </a:p>
           <a:p>
             <a:pPr lvl="1">
               <a:lnSpc>
-                <a:spcPct val="60000"/>
+                <a:spcPct val="80000"/>
               </a:lnSpc>
               <a:buFont typeface="Wingdings" panose="05000000000000000000" pitchFamily="2" charset="2"/>
               <a:buNone/>
             </a:pPr>
             <a:r>
-              <a:rPr lang="en-US" altLang="en-US">
+              <a:rPr lang="en-US" altLang="en-US" sz="1600" dirty="0">
                 <a:latin typeface="Courier New" panose="02070309020205020404" pitchFamily="49" charset="0"/>
               </a:rPr>
-              <a:t>	5</a:t>
+              <a:t>	1 squared is 1</a:t>
             </a:r>
           </a:p>
           <a:p>
             <a:pPr lvl="1">
               <a:lnSpc>
-                <a:spcPct val="60000"/>
+                <a:spcPct val="80000"/>
               </a:lnSpc>
               <a:buFont typeface="Wingdings" panose="05000000000000000000" pitchFamily="2" charset="2"/>
               <a:buNone/>
             </a:pPr>
             <a:r>
-              <a:rPr lang="en-US" altLang="en-US">
+              <a:rPr lang="en-US" altLang="en-US" sz="1600" dirty="0">
                 <a:latin typeface="Courier New" panose="02070309020205020404" pitchFamily="49" charset="0"/>
               </a:rPr>
-              <a:t>	4</a:t>
+              <a:t>	2 squared is 4</a:t>
             </a:r>
           </a:p>
           <a:p>
             <a:pPr lvl="1">
               <a:lnSpc>
-                <a:spcPct val="60000"/>
+                <a:spcPct val="80000"/>
               </a:lnSpc>
               <a:buFont typeface="Wingdings" panose="05000000000000000000" pitchFamily="2" charset="2"/>
               <a:buNone/>
             </a:pPr>
             <a:r>
-              <a:rPr lang="en-US" altLang="en-US">
+              <a:rPr lang="en-US" altLang="en-US" sz="1600" dirty="0">
                 <a:latin typeface="Courier New" panose="02070309020205020404" pitchFamily="49" charset="0"/>
               </a:rPr>
-              <a:t>	3 </a:t>
+              <a:t>	3 squared is 9</a:t>
             </a:r>
           </a:p>
           <a:p>
             <a:pPr lvl="1">
               <a:lnSpc>
-                <a:spcPct val="60000"/>
+                <a:spcPct val="80000"/>
               </a:lnSpc>
               <a:buFont typeface="Wingdings" panose="05000000000000000000" pitchFamily="2" charset="2"/>
               <a:buNone/>
             </a:pPr>
             <a:r>
-              <a:rPr lang="en-US" altLang="en-US">
+              <a:rPr lang="en-US" altLang="en-US" sz="1600" dirty="0">
                 <a:latin typeface="Courier New" panose="02070309020205020404" pitchFamily="49" charset="0"/>
               </a:rPr>
-              <a:t>	2</a:t>
+              <a:t>	4 squared is 16</a:t>
             </a:r>
           </a:p>
           <a:p>
             <a:pPr lvl="1">
               <a:lnSpc>
-                <a:spcPct val="60000"/>
+                <a:spcPct val="80000"/>
               </a:lnSpc>
               <a:buFont typeface="Wingdings" panose="05000000000000000000" pitchFamily="2" charset="2"/>
               <a:buNone/>
             </a:pPr>
             <a:r>
-              <a:rPr lang="en-US" altLang="en-US">
+              <a:rPr lang="en-US" altLang="en-US" sz="1600" dirty="0">
                 <a:latin typeface="Courier New" panose="02070309020205020404" pitchFamily="49" charset="0"/>
               </a:rPr>
-              <a:t>	1</a:t>
-            </a:r>
-          </a:p>
-          <a:p>
-            <a:pPr lvl="1">
-              <a:lnSpc>
-                <a:spcPct val="60000"/>
-              </a:lnSpc>
-              <a:buFont typeface="Wingdings" panose="05000000000000000000" pitchFamily="2" charset="2"/>
-              <a:buNone/>
-            </a:pPr>
-            <a:r>
-              <a:rPr lang="en-US" altLang="en-US">
-                <a:latin typeface="Courier New" panose="02070309020205020404" pitchFamily="49" charset="0"/>
-              </a:rPr>
-              <a:t>	Blastoff!</a:t>
-            </a:r>
-          </a:p>
-          <a:p>
-            <a:pPr lvl="1">
-              <a:lnSpc>
-                <a:spcPct val="90000"/>
-              </a:lnSpc>
-              <a:buFont typeface="Wingdings" panose="05000000000000000000" pitchFamily="2" charset="2"/>
-              <a:buNone/>
-            </a:pPr>
-            <a:endParaRPr lang="en-US" altLang="en-US" sz="800">
-              <a:latin typeface="Courier New" panose="02070309020205020404" pitchFamily="49" charset="0"/>
-            </a:endParaRPr>
-          </a:p>
-          <a:p>
-            <a:pPr lvl="1">
-              <a:lnSpc>
-                <a:spcPct val="80000"/>
-              </a:lnSpc>
-            </a:pPr>
-            <a:r>
-              <a:rPr lang="en-US" altLang="en-US" b="1"/>
-              <a:t>Exercise: </a:t>
-            </a:r>
-            <a:r>
-              <a:rPr lang="en-US" altLang="en-US"/>
-              <a:t>How would we print the "99 Bottles of Beer" song?</a:t>
+              <a:t>	5 squared is 25</a:t>
             </a:r>
           </a:p>
         </p:txBody>
@@ -8121,7 +8344,7 @@
     </p:spTree>
     <p:extLst>
       <p:ext uri="{BB962C8B-B14F-4D97-AF65-F5344CB8AC3E}">
-        <p14:creationId xmlns:p14="http://schemas.microsoft.com/office/powerpoint/2010/main" val="819271812"/>
+        <p14:creationId xmlns:p14="http://schemas.microsoft.com/office/powerpoint/2010/main" val="942571742"/>
       </p:ext>
     </p:extLst>
   </p:cSld>
@@ -8136,6 +8359,13 @@
       <p:transition spd="slow"/>
     </mc:Fallback>
   </mc:AlternateContent>
+  <p:timing>
+    <p:tnLst>
+      <p:par>
+        <p:cTn id="1" dur="indefinite" restart="never" nodeType="tmRoot"/>
+      </p:par>
+    </p:tnLst>
+  </p:timing>
 </p:sld>
 </file>
 
@@ -8225,17 +8455,17 @@
               </a:lnSpc>
             </a:pPr>
             <a:r>
-              <a:rPr lang="en-US" altLang="en-US" b="1">
+              <a:rPr lang="en-US" altLang="en-US" b="1" dirty="0">
                 <a:latin typeface="Courier New" panose="02070309020205020404" pitchFamily="49" charset="0"/>
               </a:rPr>
               <a:t>if</a:t>
             </a:r>
             <a:r>
-              <a:rPr lang="en-US" altLang="en-US" b="1"/>
+              <a:rPr lang="en-US" altLang="en-US" b="1" dirty="0"/>
               <a:t> statement</a:t>
             </a:r>
             <a:r>
-              <a:rPr lang="en-US" altLang="en-US"/>
+              <a:rPr lang="en-US" altLang="en-US" dirty="0"/>
               <a:t>: Executes a group of statements only if a certain condition is true.  Otherwise, the statements are skipped.</a:t>
             </a:r>
           </a:p>
@@ -8245,7 +8475,7 @@
                 <a:spcPct val="80000"/>
               </a:lnSpc>
             </a:pPr>
-            <a:endParaRPr lang="en-US" altLang="en-US" sz="700"/>
+            <a:endParaRPr lang="en-US" altLang="en-US" sz="700" dirty="0"/>
           </a:p>
           <a:p>
             <a:pPr lvl="1">
@@ -8254,7 +8484,7 @@
               </a:lnSpc>
             </a:pPr>
             <a:r>
-              <a:rPr lang="en-US" altLang="en-US"/>
+              <a:rPr lang="en-US" altLang="en-US" dirty="0"/>
               <a:t>Syntax:</a:t>
             </a:r>
           </a:p>
@@ -8267,21 +8497,21 @@
               <a:buNone/>
             </a:pPr>
             <a:r>
-              <a:rPr lang="en-US" altLang="en-US"/>
+              <a:rPr lang="en-US" altLang="en-US" dirty="0"/>
               <a:t>	</a:t>
             </a:r>
             <a:r>
-              <a:rPr lang="en-US" altLang="en-US">
+              <a:rPr lang="en-US" altLang="en-US" dirty="0">
                 <a:latin typeface="Courier New" panose="02070309020205020404" pitchFamily="49" charset="0"/>
               </a:rPr>
               <a:t>if </a:t>
             </a:r>
             <a:r>
-              <a:rPr lang="en-US" altLang="en-US" b="1" i="1"/>
+              <a:rPr lang="en-US" altLang="en-US" b="1" i="1" dirty="0"/>
               <a:t>condition</a:t>
             </a:r>
             <a:r>
-              <a:rPr lang="en-US" altLang="en-US">
+              <a:rPr lang="en-US" altLang="en-US" dirty="0">
                 <a:latin typeface="Courier New" panose="02070309020205020404" pitchFamily="49" charset="0"/>
               </a:rPr>
               <a:t>:</a:t>
@@ -8296,16 +8526,16 @@
               <a:buNone/>
             </a:pPr>
             <a:r>
-              <a:rPr lang="en-US" altLang="en-US">
+              <a:rPr lang="en-US" altLang="en-US" dirty="0">
                 <a:latin typeface="Courier New" panose="02070309020205020404" pitchFamily="49" charset="0"/>
               </a:rPr>
               <a:t>	    </a:t>
             </a:r>
             <a:r>
-              <a:rPr lang="en-US" altLang="en-US" b="1" i="1"/>
+              <a:rPr lang="en-US" altLang="en-US" b="1" i="1" dirty="0"/>
               <a:t>statements</a:t>
             </a:r>
-            <a:endParaRPr lang="en-US" altLang="en-US">
+            <a:endParaRPr lang="en-US" altLang="en-US" dirty="0">
               <a:latin typeface="Courier New" panose="02070309020205020404" pitchFamily="49" charset="0"/>
             </a:endParaRPr>
           </a:p>
@@ -8315,7 +8545,7 @@
                 <a:spcPct val="80000"/>
               </a:lnSpc>
             </a:pPr>
-            <a:endParaRPr lang="en-US" altLang="en-US">
+            <a:endParaRPr lang="en-US" altLang="en-US" dirty="0">
               <a:latin typeface="Courier New" panose="02070309020205020404" pitchFamily="49" charset="0"/>
             </a:endParaRPr>
           </a:p>
@@ -8326,7 +8556,7 @@
               </a:lnSpc>
             </a:pPr>
             <a:r>
-              <a:rPr lang="en-US" altLang="en-US"/>
+              <a:rPr lang="en-US" altLang="en-US" dirty="0"/>
               <a:t>Example:</a:t>
             </a:r>
           </a:p>
@@ -8339,14 +8569,20 @@
               <a:buNone/>
             </a:pPr>
             <a:r>
-              <a:rPr lang="en-US" altLang="en-US" sz="1700"/>
+              <a:rPr lang="en-US" altLang="en-US" sz="1700" dirty="0"/>
               <a:t>	</a:t>
             </a:r>
             <a:r>
-              <a:rPr lang="en-US" altLang="en-US" sz="1700">
+              <a:rPr lang="en-US" altLang="en-US" sz="1700" dirty="0" err="1">
                 <a:latin typeface="Courier New" panose="02070309020205020404" pitchFamily="49" charset="0"/>
               </a:rPr>
-              <a:t>gpa = 3.4</a:t>
+              <a:t>gpa</a:t>
+            </a:r>
+            <a:r>
+              <a:rPr lang="en-US" altLang="en-US" sz="1700" dirty="0">
+                <a:latin typeface="Courier New" panose="02070309020205020404" pitchFamily="49" charset="0"/>
+              </a:rPr>
+              <a:t> = 3.4</a:t>
             </a:r>
           </a:p>
           <a:p>
@@ -8358,10 +8594,22 @@
               <a:buNone/>
             </a:pPr>
             <a:r>
-              <a:rPr lang="en-US" altLang="en-US" sz="1700" b="1">
+              <a:rPr lang="en-US" altLang="en-US" sz="1700" b="1" dirty="0">
                 <a:latin typeface="Courier New" panose="02070309020205020404" pitchFamily="49" charset="0"/>
               </a:rPr>
-              <a:t>	if gpa &gt; 2.0:</a:t>
+              <a:t>	if </a:t>
+            </a:r>
+            <a:r>
+              <a:rPr lang="en-US" altLang="en-US" sz="1700" b="1" dirty="0" err="1">
+                <a:latin typeface="Courier New" panose="02070309020205020404" pitchFamily="49" charset="0"/>
+              </a:rPr>
+              <a:t>gpa</a:t>
+            </a:r>
+            <a:r>
+              <a:rPr lang="en-US" altLang="en-US" sz="1700" b="1" dirty="0">
+                <a:latin typeface="Courier New" panose="02070309020205020404" pitchFamily="49" charset="0"/>
+              </a:rPr>
+              <a:t> &gt; 2.0:</a:t>
             </a:r>
           </a:p>
           <a:p>
@@ -8373,11 +8621,32 @@
               <a:buNone/>
             </a:pPr>
             <a:r>
-              <a:rPr lang="en-US" altLang="en-US" sz="1700">
+              <a:rPr lang="en-US" altLang="en-US" sz="1700" dirty="0">
                 <a:latin typeface="Courier New" panose="02070309020205020404" pitchFamily="49" charset="0"/>
               </a:rPr>
-              <a:t>	    print "Your application is accepted."</a:t>
-            </a:r>
+              <a:t>	    </a:t>
+            </a:r>
+            <a:r>
+              <a:rPr lang="en-US" altLang="en-US" sz="1700" dirty="0" smtClean="0">
+                <a:latin typeface="Courier New" panose="02070309020205020404" pitchFamily="49" charset="0"/>
+              </a:rPr>
+              <a:t>print("Your </a:t>
+            </a:r>
+            <a:r>
+              <a:rPr lang="en-US" altLang="en-US" sz="1700" dirty="0">
+                <a:latin typeface="Courier New" panose="02070309020205020404" pitchFamily="49" charset="0"/>
+              </a:rPr>
+              <a:t>application is accepted</a:t>
+            </a:r>
+            <a:r>
+              <a:rPr lang="en-US" altLang="en-US" sz="1700" dirty="0" smtClean="0">
+                <a:latin typeface="Courier New" panose="02070309020205020404" pitchFamily="49" charset="0"/>
+              </a:rPr>
+              <a:t>.“)</a:t>
+            </a:r>
+            <a:endParaRPr lang="en-US" altLang="en-US" sz="1700" dirty="0">
+              <a:latin typeface="Courier New" panose="02070309020205020404" pitchFamily="49" charset="0"/>
+            </a:endParaRPr>
           </a:p>
         </p:txBody>
       </p:sp>
@@ -8440,6 +8709,13 @@
       <p:transition spd="slow"/>
     </mc:Fallback>
   </mc:AlternateContent>
+  <p:timing>
+    <p:tnLst>
+      <p:par>
+        <p:cTn id="1" dur="indefinite" restart="never" nodeType="tmRoot"/>
+      </p:par>
+    </p:tnLst>
+  </p:timing>
 </p:sld>
 </file>
 
@@ -8572,17 +8848,17 @@
               </a:lnSpc>
             </a:pPr>
             <a:r>
-              <a:rPr lang="en-US" altLang="en-US" sz="1800" b="1">
+              <a:rPr lang="en-US" altLang="en-US" sz="1800" b="1" dirty="0">
                 <a:latin typeface="Courier New" panose="02070309020205020404" pitchFamily="49" charset="0"/>
               </a:rPr>
               <a:t>if/else</a:t>
             </a:r>
             <a:r>
-              <a:rPr lang="en-US" altLang="en-US" sz="1800" b="1"/>
+              <a:rPr lang="en-US" altLang="en-US" sz="1800" b="1" dirty="0"/>
               <a:t> statement</a:t>
             </a:r>
             <a:r>
-              <a:rPr lang="en-US" altLang="en-US" sz="1800"/>
+              <a:rPr lang="en-US" altLang="en-US" sz="1800" dirty="0"/>
               <a:t>: Executes one block of statements if a certain condition is True, and a second block of statements if it is False.</a:t>
             </a:r>
           </a:p>
@@ -8594,7 +8870,7 @@
               <a:buFont typeface="Wingdings" panose="05000000000000000000" pitchFamily="2" charset="2"/>
               <a:buNone/>
             </a:pPr>
-            <a:endParaRPr lang="en-US" altLang="en-US" sz="600"/>
+            <a:endParaRPr lang="en-US" altLang="en-US" sz="600" dirty="0"/>
           </a:p>
           <a:p>
             <a:pPr lvl="1">
@@ -8603,7 +8879,7 @@
               </a:lnSpc>
             </a:pPr>
             <a:r>
-              <a:rPr lang="en-US" altLang="en-US" sz="1600"/>
+              <a:rPr lang="en-US" altLang="en-US" sz="1600" dirty="0"/>
               <a:t>Syntax:</a:t>
             </a:r>
           </a:p>
@@ -8616,21 +8892,21 @@
               <a:buNone/>
             </a:pPr>
             <a:r>
-              <a:rPr lang="en-US" altLang="en-US" sz="1600"/>
+              <a:rPr lang="en-US" altLang="en-US" sz="1600" dirty="0"/>
               <a:t>	</a:t>
             </a:r>
             <a:r>
-              <a:rPr lang="en-US" altLang="en-US" sz="1600">
+              <a:rPr lang="en-US" altLang="en-US" sz="1600" dirty="0">
                 <a:latin typeface="Courier New" panose="02070309020205020404" pitchFamily="49" charset="0"/>
               </a:rPr>
               <a:t>if </a:t>
             </a:r>
             <a:r>
-              <a:rPr lang="en-US" altLang="en-US" sz="1600" b="1" i="1"/>
+              <a:rPr lang="en-US" altLang="en-US" sz="1600" b="1" i="1" dirty="0"/>
               <a:t>condition</a:t>
             </a:r>
             <a:r>
-              <a:rPr lang="en-US" altLang="en-US" sz="1600">
+              <a:rPr lang="en-US" altLang="en-US" sz="1600" dirty="0">
                 <a:latin typeface="Courier New" panose="02070309020205020404" pitchFamily="49" charset="0"/>
               </a:rPr>
               <a:t>:</a:t>
@@ -8645,16 +8921,16 @@
               <a:buNone/>
             </a:pPr>
             <a:r>
-              <a:rPr lang="en-US" altLang="en-US" sz="1600">
+              <a:rPr lang="en-US" altLang="en-US" sz="1600" dirty="0">
                 <a:latin typeface="Courier New" panose="02070309020205020404" pitchFamily="49" charset="0"/>
               </a:rPr>
               <a:t>	    </a:t>
             </a:r>
             <a:r>
-              <a:rPr lang="en-US" altLang="en-US" sz="1600" b="1" i="1"/>
+              <a:rPr lang="en-US" altLang="en-US" sz="1600" b="1" i="1" dirty="0"/>
               <a:t>statements</a:t>
             </a:r>
-            <a:endParaRPr lang="en-US" altLang="en-US" sz="1600">
+            <a:endParaRPr lang="en-US" altLang="en-US" sz="1600" dirty="0">
               <a:latin typeface="Courier New" panose="02070309020205020404" pitchFamily="49" charset="0"/>
             </a:endParaRPr>
           </a:p>
@@ -8667,7 +8943,7 @@
               <a:buNone/>
             </a:pPr>
             <a:r>
-              <a:rPr lang="en-US" altLang="en-US" sz="1600">
+              <a:rPr lang="en-US" altLang="en-US" sz="1600" dirty="0">
                 <a:latin typeface="Courier New" panose="02070309020205020404" pitchFamily="49" charset="0"/>
               </a:rPr>
               <a:t>	else:</a:t>
@@ -8682,16 +8958,16 @@
               <a:buNone/>
             </a:pPr>
             <a:r>
-              <a:rPr lang="en-US" altLang="en-US" sz="1600">
+              <a:rPr lang="en-US" altLang="en-US" sz="1600" dirty="0">
                 <a:latin typeface="Courier New" panose="02070309020205020404" pitchFamily="49" charset="0"/>
               </a:rPr>
               <a:t>	    </a:t>
             </a:r>
             <a:r>
-              <a:rPr lang="en-US" altLang="en-US" sz="1600" b="1" i="1"/>
+              <a:rPr lang="en-US" altLang="en-US" sz="1600" b="1" i="1" dirty="0"/>
               <a:t>statements</a:t>
             </a:r>
-            <a:endParaRPr lang="en-US" altLang="en-US" sz="1600">
+            <a:endParaRPr lang="en-US" altLang="en-US" sz="1600" dirty="0">
               <a:latin typeface="Courier New" panose="02070309020205020404" pitchFamily="49" charset="0"/>
             </a:endParaRPr>
           </a:p>
@@ -8701,7 +8977,7 @@
                 <a:spcPct val="80000"/>
               </a:lnSpc>
             </a:pPr>
-            <a:endParaRPr lang="en-US" altLang="en-US" sz="1600">
+            <a:endParaRPr lang="en-US" altLang="en-US" sz="1600" dirty="0">
               <a:latin typeface="Courier New" panose="02070309020205020404" pitchFamily="49" charset="0"/>
             </a:endParaRPr>
           </a:p>
@@ -8712,7 +8988,7 @@
               </a:lnSpc>
             </a:pPr>
             <a:r>
-              <a:rPr lang="en-US" altLang="en-US" sz="1800"/>
+              <a:rPr lang="en-US" altLang="en-US" sz="1800" dirty="0"/>
               <a:t>Example:</a:t>
             </a:r>
           </a:p>
@@ -8725,14 +9001,20 @@
               <a:buNone/>
             </a:pPr>
             <a:r>
-              <a:rPr lang="en-US" altLang="en-US" sz="1500"/>
+              <a:rPr lang="en-US" altLang="en-US" sz="1500" dirty="0"/>
               <a:t>	</a:t>
             </a:r>
             <a:r>
-              <a:rPr lang="en-US" altLang="en-US" sz="1500">
+              <a:rPr lang="en-US" altLang="en-US" sz="1500" dirty="0" err="1">
                 <a:latin typeface="Courier New" panose="02070309020205020404" pitchFamily="49" charset="0"/>
               </a:rPr>
-              <a:t>gpa = 1.4</a:t>
+              <a:t>gpa</a:t>
+            </a:r>
+            <a:r>
+              <a:rPr lang="en-US" altLang="en-US" sz="1500" dirty="0">
+                <a:latin typeface="Courier New" panose="02070309020205020404" pitchFamily="49" charset="0"/>
+              </a:rPr>
+              <a:t> = 1.4</a:t>
             </a:r>
           </a:p>
           <a:p>
@@ -8744,10 +9026,22 @@
               <a:buNone/>
             </a:pPr>
             <a:r>
-              <a:rPr lang="en-US" altLang="en-US" sz="1500" b="1">
+              <a:rPr lang="en-US" altLang="en-US" sz="1500" b="1" dirty="0">
                 <a:latin typeface="Courier New" panose="02070309020205020404" pitchFamily="49" charset="0"/>
               </a:rPr>
-              <a:t>	if gpa &gt; 2.0:</a:t>
+              <a:t>	if </a:t>
+            </a:r>
+            <a:r>
+              <a:rPr lang="en-US" altLang="en-US" sz="1500" b="1" dirty="0" err="1">
+                <a:latin typeface="Courier New" panose="02070309020205020404" pitchFamily="49" charset="0"/>
+              </a:rPr>
+              <a:t>gpa</a:t>
+            </a:r>
+            <a:r>
+              <a:rPr lang="en-US" altLang="en-US" sz="1500" b="1" dirty="0">
+                <a:latin typeface="Courier New" panose="02070309020205020404" pitchFamily="49" charset="0"/>
+              </a:rPr>
+              <a:t> &gt; 2.0:</a:t>
             </a:r>
           </a:p>
           <a:p>
@@ -8759,18 +9053,30 @@
               <a:buNone/>
             </a:pPr>
             <a:r>
-              <a:rPr lang="en-US" altLang="en-US" sz="1500" b="1">
+              <a:rPr lang="en-US" altLang="en-US" sz="1500" b="1" dirty="0">
                 <a:latin typeface="Courier New" panose="02070309020205020404" pitchFamily="49" charset="0"/>
               </a:rPr>
               <a:t>	    </a:t>
             </a:r>
             <a:r>
-              <a:rPr lang="en-US" altLang="en-US" sz="1500">
+              <a:rPr lang="en-US" altLang="en-US" sz="1500" dirty="0" smtClean="0">
                 <a:latin typeface="Courier New" panose="02070309020205020404" pitchFamily="49" charset="0"/>
               </a:rPr>
-              <a:t>print "Welcome to Mars University!"</a:t>
-            </a:r>
-            <a:endParaRPr lang="en-US" altLang="en-US" sz="1500" b="1">
+              <a:t>print("Welcome </a:t>
+            </a:r>
+            <a:r>
+              <a:rPr lang="en-US" altLang="en-US" sz="1500" dirty="0">
+                <a:latin typeface="Courier New" panose="02070309020205020404" pitchFamily="49" charset="0"/>
+              </a:rPr>
+              <a:t>to Mars University</a:t>
+            </a:r>
+            <a:r>
+              <a:rPr lang="en-US" altLang="en-US" sz="1500" dirty="0" smtClean="0">
+                <a:latin typeface="Courier New" panose="02070309020205020404" pitchFamily="49" charset="0"/>
+              </a:rPr>
+              <a:t>!“)</a:t>
+            </a:r>
+            <a:endParaRPr lang="en-US" altLang="en-US" sz="1500" b="1" dirty="0">
               <a:latin typeface="Courier New" panose="02070309020205020404" pitchFamily="49" charset="0"/>
             </a:endParaRPr>
           </a:p>
@@ -8783,7 +9089,7 @@
               <a:buNone/>
             </a:pPr>
             <a:r>
-              <a:rPr lang="en-US" altLang="en-US" sz="1500" b="1">
+              <a:rPr lang="en-US" altLang="en-US" sz="1500" b="1" dirty="0">
                 <a:latin typeface="Courier New" panose="02070309020205020404" pitchFamily="49" charset="0"/>
               </a:rPr>
               <a:t>	else:</a:t>
@@ -8798,11 +9104,32 @@
               <a:buNone/>
             </a:pPr>
             <a:r>
-              <a:rPr lang="en-US" altLang="en-US" sz="1500">
+              <a:rPr lang="en-US" altLang="en-US" sz="1500" dirty="0">
                 <a:latin typeface="Courier New" panose="02070309020205020404" pitchFamily="49" charset="0"/>
               </a:rPr>
-              <a:t>	    print "Your application is denied."</a:t>
-            </a:r>
+              <a:t>	    </a:t>
+            </a:r>
+            <a:r>
+              <a:rPr lang="en-US" altLang="en-US" sz="1500" dirty="0" smtClean="0">
+                <a:latin typeface="Courier New" panose="02070309020205020404" pitchFamily="49" charset="0"/>
+              </a:rPr>
+              <a:t>print("Your </a:t>
+            </a:r>
+            <a:r>
+              <a:rPr lang="en-US" altLang="en-US" sz="1500" dirty="0">
+                <a:latin typeface="Courier New" panose="02070309020205020404" pitchFamily="49" charset="0"/>
+              </a:rPr>
+              <a:t>application is denied</a:t>
+            </a:r>
+            <a:r>
+              <a:rPr lang="en-US" altLang="en-US" sz="1500" dirty="0" smtClean="0">
+                <a:latin typeface="Courier New" panose="02070309020205020404" pitchFamily="49" charset="0"/>
+              </a:rPr>
+              <a:t>.“)</a:t>
+            </a:r>
+            <a:endParaRPr lang="en-US" altLang="en-US" sz="1500" dirty="0">
+              <a:latin typeface="Courier New" panose="02070309020205020404" pitchFamily="49" charset="0"/>
+            </a:endParaRPr>
           </a:p>
           <a:p>
             <a:pPr lvl="1">
@@ -8812,7 +9139,7 @@
               <a:buFont typeface="Wingdings" panose="05000000000000000000" pitchFamily="2" charset="2"/>
               <a:buNone/>
             </a:pPr>
-            <a:endParaRPr lang="en-US" altLang="en-US" sz="1500" b="1">
+            <a:endParaRPr lang="en-US" altLang="en-US" sz="1500" b="1" dirty="0">
               <a:latin typeface="Courier New" panose="02070309020205020404" pitchFamily="49" charset="0"/>
             </a:endParaRPr>
           </a:p>
@@ -8823,17 +9150,17 @@
               </a:lnSpc>
             </a:pPr>
             <a:r>
-              <a:rPr lang="en-US" altLang="en-US" sz="1800"/>
+              <a:rPr lang="en-US" altLang="en-US" sz="1800" dirty="0"/>
               <a:t>Multiple conditions can be chained with </a:t>
             </a:r>
             <a:r>
-              <a:rPr lang="en-US" altLang="en-US" sz="1800">
+              <a:rPr lang="en-US" altLang="en-US" sz="1800" dirty="0" err="1">
                 <a:latin typeface="Courier New" panose="02070309020205020404" pitchFamily="49" charset="0"/>
               </a:rPr>
               <a:t>elif</a:t>
             </a:r>
             <a:r>
-              <a:rPr lang="en-US" altLang="en-US" sz="1800"/>
+              <a:rPr lang="en-US" altLang="en-US" sz="1800" dirty="0"/>
               <a:t> ("else if"):</a:t>
             </a:r>
           </a:p>
@@ -8846,21 +9173,21 @@
               <a:buNone/>
             </a:pPr>
             <a:r>
-              <a:rPr lang="en-US" altLang="en-US" sz="1600"/>
+              <a:rPr lang="en-US" altLang="en-US" sz="1600" dirty="0"/>
               <a:t>	</a:t>
             </a:r>
             <a:r>
-              <a:rPr lang="en-US" altLang="en-US" sz="1600">
+              <a:rPr lang="en-US" altLang="en-US" sz="1600" dirty="0">
                 <a:latin typeface="Courier New" panose="02070309020205020404" pitchFamily="49" charset="0"/>
               </a:rPr>
               <a:t>if </a:t>
             </a:r>
             <a:r>
-              <a:rPr lang="en-US" altLang="en-US" sz="1600" b="1" i="1"/>
+              <a:rPr lang="en-US" altLang="en-US" sz="1600" b="1" i="1" dirty="0"/>
               <a:t>condition</a:t>
             </a:r>
             <a:r>
-              <a:rPr lang="en-US" altLang="en-US" sz="1600">
+              <a:rPr lang="en-US" altLang="en-US" sz="1600" dirty="0">
                 <a:latin typeface="Courier New" panose="02070309020205020404" pitchFamily="49" charset="0"/>
               </a:rPr>
               <a:t>:</a:t>
@@ -8875,16 +9202,16 @@
               <a:buNone/>
             </a:pPr>
             <a:r>
-              <a:rPr lang="en-US" altLang="en-US" sz="1600">
+              <a:rPr lang="en-US" altLang="en-US" sz="1600" dirty="0">
                 <a:latin typeface="Courier New" panose="02070309020205020404" pitchFamily="49" charset="0"/>
               </a:rPr>
               <a:t>	    </a:t>
             </a:r>
             <a:r>
-              <a:rPr lang="en-US" altLang="en-US" sz="1600" b="1" i="1"/>
+              <a:rPr lang="en-US" altLang="en-US" sz="1600" b="1" i="1" dirty="0"/>
               <a:t>statements</a:t>
             </a:r>
-            <a:endParaRPr lang="en-US" altLang="en-US" sz="1600">
+            <a:endParaRPr lang="en-US" altLang="en-US" sz="1600" dirty="0">
               <a:latin typeface="Courier New" panose="02070309020205020404" pitchFamily="49" charset="0"/>
             </a:endParaRPr>
           </a:p>
@@ -8897,21 +9224,27 @@
               <a:buNone/>
             </a:pPr>
             <a:r>
-              <a:rPr lang="en-US" altLang="en-US" sz="1600"/>
+              <a:rPr lang="en-US" altLang="en-US" sz="1600" dirty="0"/>
               <a:t>	</a:t>
             </a:r>
             <a:r>
-              <a:rPr lang="en-US" altLang="en-US" sz="1600">
+              <a:rPr lang="en-US" altLang="en-US" sz="1600" dirty="0" err="1">
                 <a:latin typeface="Courier New" panose="02070309020205020404" pitchFamily="49" charset="0"/>
               </a:rPr>
-              <a:t>elif </a:t>
-            </a:r>
-            <a:r>
-              <a:rPr lang="en-US" altLang="en-US" sz="1600" b="1" i="1"/>
+              <a:t>elif</a:t>
+            </a:r>
+            <a:r>
+              <a:rPr lang="en-US" altLang="en-US" sz="1600" dirty="0">
+                <a:latin typeface="Courier New" panose="02070309020205020404" pitchFamily="49" charset="0"/>
+              </a:rPr>
+              <a:t> </a:t>
+            </a:r>
+            <a:r>
+              <a:rPr lang="en-US" altLang="en-US" sz="1600" b="1" i="1" dirty="0"/>
               <a:t>condition</a:t>
             </a:r>
             <a:r>
-              <a:rPr lang="en-US" altLang="en-US" sz="1600">
+              <a:rPr lang="en-US" altLang="en-US" sz="1600" dirty="0">
                 <a:latin typeface="Courier New" panose="02070309020205020404" pitchFamily="49" charset="0"/>
               </a:rPr>
               <a:t>:</a:t>
@@ -8926,16 +9259,16 @@
               <a:buNone/>
             </a:pPr>
             <a:r>
-              <a:rPr lang="en-US" altLang="en-US" sz="1600">
+              <a:rPr lang="en-US" altLang="en-US" sz="1600" dirty="0">
                 <a:latin typeface="Courier New" panose="02070309020205020404" pitchFamily="49" charset="0"/>
               </a:rPr>
               <a:t>	    </a:t>
             </a:r>
             <a:r>
-              <a:rPr lang="en-US" altLang="en-US" sz="1600" b="1" i="1"/>
+              <a:rPr lang="en-US" altLang="en-US" sz="1600" b="1" i="1" dirty="0"/>
               <a:t>statements</a:t>
             </a:r>
-            <a:endParaRPr lang="en-US" altLang="en-US" sz="1600">
+            <a:endParaRPr lang="en-US" altLang="en-US" sz="1600" dirty="0">
               <a:latin typeface="Courier New" panose="02070309020205020404" pitchFamily="49" charset="0"/>
             </a:endParaRPr>
           </a:p>
@@ -8948,7 +9281,7 @@
               <a:buNone/>
             </a:pPr>
             <a:r>
-              <a:rPr lang="en-US" altLang="en-US" sz="1600">
+              <a:rPr lang="en-US" altLang="en-US" sz="1600" dirty="0">
                 <a:latin typeface="Courier New" panose="02070309020205020404" pitchFamily="49" charset="0"/>
               </a:rPr>
               <a:t>	else:</a:t>
@@ -8963,16 +9296,16 @@
               <a:buNone/>
             </a:pPr>
             <a:r>
-              <a:rPr lang="en-US" altLang="en-US" sz="1600">
+              <a:rPr lang="en-US" altLang="en-US" sz="1600" dirty="0">
                 <a:latin typeface="Courier New" panose="02070309020205020404" pitchFamily="49" charset="0"/>
               </a:rPr>
               <a:t>	    </a:t>
             </a:r>
             <a:r>
-              <a:rPr lang="en-US" altLang="en-US" sz="1600" b="1" i="1"/>
+              <a:rPr lang="en-US" altLang="en-US" sz="1600" b="1" i="1" dirty="0"/>
               <a:t>statements</a:t>
             </a:r>
-            <a:endParaRPr lang="en-US" altLang="en-US" sz="1600">
+            <a:endParaRPr lang="en-US" altLang="en-US" sz="1600" dirty="0">
               <a:latin typeface="Courier New" panose="02070309020205020404" pitchFamily="49" charset="0"/>
             </a:endParaRPr>
           </a:p>
@@ -8984,7 +9317,7 @@
               <a:buFont typeface="Wingdings" panose="05000000000000000000" pitchFamily="2" charset="2"/>
               <a:buNone/>
             </a:pPr>
-            <a:endParaRPr lang="en-US" altLang="en-US" sz="1500" b="1">
+            <a:endParaRPr lang="en-US" altLang="en-US" sz="1500" b="1" dirty="0">
               <a:latin typeface="Courier New" panose="02070309020205020404" pitchFamily="49" charset="0"/>
             </a:endParaRPr>
           </a:p>
@@ -9049,6 +9382,13 @@
       <p:transition spd="slow"/>
     </mc:Fallback>
   </mc:AlternateContent>
+  <p:timing>
+    <p:tnLst>
+      <p:par>
+        <p:cTn id="1" dur="indefinite" restart="never" nodeType="tmRoot"/>
+      </p:par>
+    </p:tnLst>
+  </p:timing>
 </p:sld>
 </file>
 
@@ -9131,48 +9471,48 @@
         <p:spPr/>
         <p:txBody>
           <a:bodyPr>
-            <a:normAutofit fontScale="92500" lnSpcReduction="20000"/>
+            <a:normAutofit fontScale="85000" lnSpcReduction="20000"/>
           </a:bodyPr>
           <a:lstStyle/>
           <a:p>
             <a:r>
-              <a:rPr lang="en-US" altLang="en-US" sz="1800" b="1">
+              <a:rPr lang="en-US" altLang="en-US" sz="1800" b="1" dirty="0">
                 <a:latin typeface="Courier New" panose="02070309020205020404" pitchFamily="49" charset="0"/>
               </a:rPr>
               <a:t>while</a:t>
             </a:r>
             <a:r>
-              <a:rPr lang="en-US" altLang="en-US" sz="1800" b="1"/>
+              <a:rPr lang="en-US" altLang="en-US" sz="1800" b="1" dirty="0"/>
               <a:t> loop</a:t>
             </a:r>
             <a:r>
-              <a:rPr lang="en-US" altLang="en-US" sz="1800"/>
+              <a:rPr lang="en-US" altLang="en-US" sz="1800" dirty="0"/>
               <a:t>: Executes a group of statements as long as a condition is True.</a:t>
             </a:r>
           </a:p>
           <a:p>
             <a:pPr lvl="1"/>
             <a:r>
-              <a:rPr lang="en-US" altLang="en-US"/>
+              <a:rPr lang="en-US" altLang="en-US" dirty="0"/>
               <a:t>good for </a:t>
             </a:r>
             <a:r>
-              <a:rPr lang="en-US" altLang="en-US" i="1"/>
+              <a:rPr lang="en-US" altLang="en-US" i="1" dirty="0"/>
               <a:t>indefinite loops </a:t>
             </a:r>
             <a:r>
-              <a:rPr lang="en-US" altLang="en-US"/>
+              <a:rPr lang="en-US" altLang="en-US" dirty="0"/>
               <a:t>(repeat an unknown number of times)</a:t>
             </a:r>
-            <a:endParaRPr lang="en-US" altLang="en-US" i="1"/>
+            <a:endParaRPr lang="en-US" altLang="en-US" i="1" dirty="0"/>
           </a:p>
           <a:p>
             <a:pPr lvl="1"/>
-            <a:endParaRPr lang="en-US" altLang="en-US" sz="800"/>
-          </a:p>
-          <a:p>
-            <a:r>
-              <a:rPr lang="en-US" altLang="en-US"/>
+            <a:endParaRPr lang="en-US" altLang="en-US" sz="800" dirty="0"/>
+          </a:p>
+          <a:p>
+            <a:r>
+              <a:rPr lang="en-US" altLang="en-US" dirty="0"/>
               <a:t>Syntax:</a:t>
             </a:r>
           </a:p>
@@ -9182,21 +9522,21 @@
               <a:buNone/>
             </a:pPr>
             <a:r>
-              <a:rPr lang="en-US" altLang="en-US"/>
+              <a:rPr lang="en-US" altLang="en-US" dirty="0"/>
               <a:t>	</a:t>
             </a:r>
             <a:r>
-              <a:rPr lang="en-US" altLang="en-US">
+              <a:rPr lang="en-US" altLang="en-US" dirty="0">
                 <a:latin typeface="Courier New" panose="02070309020205020404" pitchFamily="49" charset="0"/>
               </a:rPr>
               <a:t>while </a:t>
             </a:r>
             <a:r>
-              <a:rPr lang="en-US" altLang="en-US" b="1" i="1"/>
+              <a:rPr lang="en-US" altLang="en-US" b="1" i="1" dirty="0"/>
               <a:t>condition</a:t>
             </a:r>
             <a:r>
-              <a:rPr lang="en-US" altLang="en-US">
+              <a:rPr lang="en-US" altLang="en-US" dirty="0">
                 <a:latin typeface="Courier New" panose="02070309020205020404" pitchFamily="49" charset="0"/>
               </a:rPr>
               <a:t>:</a:t>
@@ -9208,16 +9548,16 @@
               <a:buNone/>
             </a:pPr>
             <a:r>
-              <a:rPr lang="en-US" altLang="en-US">
+              <a:rPr lang="en-US" altLang="en-US" dirty="0">
                 <a:latin typeface="Courier New" panose="02070309020205020404" pitchFamily="49" charset="0"/>
               </a:rPr>
               <a:t>	    </a:t>
             </a:r>
             <a:r>
-              <a:rPr lang="en-US" altLang="en-US" b="1" i="1"/>
+              <a:rPr lang="en-US" altLang="en-US" b="1" i="1" dirty="0"/>
               <a:t>statements</a:t>
             </a:r>
-            <a:endParaRPr lang="en-US" altLang="en-US">
+            <a:endParaRPr lang="en-US" altLang="en-US" dirty="0">
               <a:latin typeface="Courier New" panose="02070309020205020404" pitchFamily="49" charset="0"/>
             </a:endParaRPr>
           </a:p>
@@ -9226,13 +9566,13 @@
               <a:buFont typeface="Wingdings" panose="05000000000000000000" pitchFamily="2" charset="2"/>
               <a:buNone/>
             </a:pPr>
-            <a:endParaRPr lang="en-US" altLang="en-US" sz="700">
+            <a:endParaRPr lang="en-US" altLang="en-US" sz="700" dirty="0">
               <a:latin typeface="Courier New" panose="02070309020205020404" pitchFamily="49" charset="0"/>
             </a:endParaRPr>
           </a:p>
           <a:p>
             <a:r>
-              <a:rPr lang="en-US" altLang="en-US"/>
+              <a:rPr lang="en-US" altLang="en-US" dirty="0"/>
               <a:t>Example:</a:t>
             </a:r>
           </a:p>
@@ -9242,7 +9582,7 @@
               <a:buNone/>
             </a:pPr>
             <a:r>
-              <a:rPr lang="en-US" altLang="en-US">
+              <a:rPr lang="en-US" altLang="en-US" dirty="0">
                 <a:latin typeface="Courier New" panose="02070309020205020404" pitchFamily="49" charset="0"/>
               </a:rPr>
               <a:t>	number = 1</a:t>
@@ -9254,7 +9594,7 @@
               <a:buNone/>
             </a:pPr>
             <a:r>
-              <a:rPr lang="en-US" altLang="en-US" b="1">
+              <a:rPr lang="en-US" altLang="en-US" b="1" dirty="0">
                 <a:latin typeface="Courier New" panose="02070309020205020404" pitchFamily="49" charset="0"/>
               </a:rPr>
               <a:t>	while number &lt; 200:</a:t>
@@ -9266,11 +9606,32 @@
               <a:buNone/>
             </a:pPr>
             <a:r>
-              <a:rPr lang="en-US" altLang="en-US">
+              <a:rPr lang="en-US" altLang="en-US" dirty="0">
                 <a:latin typeface="Courier New" panose="02070309020205020404" pitchFamily="49" charset="0"/>
               </a:rPr>
-              <a:t>	    print number, </a:t>
-            </a:r>
+              <a:t>	    </a:t>
+            </a:r>
+            <a:r>
+              <a:rPr lang="en-US" altLang="en-US" dirty="0" smtClean="0">
+                <a:latin typeface="Courier New" panose="02070309020205020404" pitchFamily="49" charset="0"/>
+              </a:rPr>
+              <a:t>print(number</a:t>
+            </a:r>
+            <a:r>
+              <a:rPr lang="en-US" altLang="en-US" dirty="0">
+                <a:latin typeface="Courier New" panose="02070309020205020404" pitchFamily="49" charset="0"/>
+              </a:rPr>
+              <a:t>)</a:t>
+            </a:r>
+            <a:r>
+              <a:rPr lang="en-US" altLang="en-US" dirty="0" smtClean="0">
+                <a:latin typeface="Courier New" panose="02070309020205020404" pitchFamily="49" charset="0"/>
+              </a:rPr>
+              <a:t> </a:t>
+            </a:r>
+            <a:endParaRPr lang="en-US" altLang="en-US" dirty="0">
+              <a:latin typeface="Courier New" panose="02070309020205020404" pitchFamily="49" charset="0"/>
+            </a:endParaRPr>
           </a:p>
           <a:p>
             <a:pPr lvl="1">
@@ -9278,7 +9639,7 @@
               <a:buNone/>
             </a:pPr>
             <a:r>
-              <a:rPr lang="en-US" altLang="en-US">
+              <a:rPr lang="en-US" altLang="en-US" dirty="0">
                 <a:latin typeface="Courier New" panose="02070309020205020404" pitchFamily="49" charset="0"/>
               </a:rPr>
               <a:t>	    number = number * 2</a:t>
@@ -9289,14 +9650,14 @@
               <a:buFont typeface="Wingdings" panose="05000000000000000000" pitchFamily="2" charset="2"/>
               <a:buNone/>
             </a:pPr>
-            <a:endParaRPr lang="en-US" altLang="en-US" b="1">
+            <a:endParaRPr lang="en-US" altLang="en-US" b="1" dirty="0">
               <a:latin typeface="Courier New" panose="02070309020205020404" pitchFamily="49" charset="0"/>
             </a:endParaRPr>
           </a:p>
           <a:p>
             <a:pPr lvl="1"/>
             <a:r>
-              <a:rPr lang="en-US" altLang="en-US"/>
+              <a:rPr lang="en-US" altLang="en-US" dirty="0"/>
               <a:t>Output:</a:t>
             </a:r>
           </a:p>
@@ -9306,12 +9667,12 @@
               <a:buNone/>
             </a:pPr>
             <a:r>
-              <a:rPr lang="en-US" altLang="en-US">
+              <a:rPr lang="en-US" altLang="en-US" dirty="0">
                 <a:latin typeface="Courier New" panose="02070309020205020404" pitchFamily="49" charset="0"/>
               </a:rPr>
               <a:t>	1 2 4 8 16 32 64 128</a:t>
             </a:r>
-            <a:endParaRPr lang="en-US" altLang="en-US"/>
+            <a:endParaRPr lang="en-US" altLang="en-US" dirty="0"/>
           </a:p>
         </p:txBody>
       </p:sp>
@@ -19639,6 +20000,13 @@
   <p:clrMapOvr>
     <a:masterClrMapping/>
   </p:clrMapOvr>
+  <p:timing>
+    <p:tnLst>
+      <p:par>
+        <p:cTn id="1" dur="indefinite" restart="never" nodeType="tmRoot"/>
+      </p:par>
+    </p:tnLst>
+  </p:timing>
 </p:sld>
 </file>
 
@@ -22988,13 +23356,8 @@
             </a:r>
             <a:r>
               <a:rPr lang="en-US" dirty="0" smtClean="0"/>
-              <a:t>, Pinterest, and more use Django (python website template framework) to create/serve millions of </a:t>
-            </a:r>
-            <a:r>
-              <a:rPr lang="en-US" dirty="0" smtClean="0"/>
-              <a:t>users</a:t>
-            </a:r>
-            <a:endParaRPr lang="en-US" dirty="0" smtClean="0"/>
+              <a:t>, Pinterest, and more use Django (python website template framework) to create/serve millions of users</a:t>
+            </a:r>
           </a:p>
           <a:p>
             <a:r>
@@ -23957,23 +24320,43 @@
               <a:buNone/>
             </a:pPr>
             <a:r>
-              <a:rPr lang="en-US" altLang="en-US" b="0" dirty="0" smtClean="0"/>
+              <a:rPr lang="en-US" altLang="en-US" b="0" dirty="0" smtClean="0">
+                <a:solidFill>
+                  <a:srgbClr val="00B050"/>
+                </a:solidFill>
+              </a:rPr>
               <a:t>#! /</a:t>
             </a:r>
             <a:r>
-              <a:rPr lang="en-US" altLang="en-US" b="0" dirty="0" err="1" smtClean="0"/>
+              <a:rPr lang="en-US" altLang="en-US" b="0" dirty="0" err="1" smtClean="0">
+                <a:solidFill>
+                  <a:srgbClr val="00B050"/>
+                </a:solidFill>
+              </a:rPr>
               <a:t>usr</a:t>
             </a:r>
             <a:r>
-              <a:rPr lang="en-US" altLang="en-US" b="0" dirty="0" smtClean="0"/>
+              <a:rPr lang="en-US" altLang="en-US" b="0" dirty="0" smtClean="0">
+                <a:solidFill>
+                  <a:srgbClr val="00B050"/>
+                </a:solidFill>
+              </a:rPr>
               <a:t>/bin/</a:t>
             </a:r>
             <a:r>
-              <a:rPr lang="en-US" altLang="en-US" b="0" dirty="0" err="1" smtClean="0"/>
+              <a:rPr lang="en-US" altLang="en-US" b="0" dirty="0" err="1" smtClean="0">
+                <a:solidFill>
+                  <a:srgbClr val="00B050"/>
+                </a:solidFill>
+              </a:rPr>
               <a:t>env</a:t>
             </a:r>
             <a:r>
-              <a:rPr lang="en-US" altLang="en-US" b="0" dirty="0" smtClean="0"/>
+              <a:rPr lang="en-US" altLang="en-US" b="0" dirty="0" smtClean="0">
+                <a:solidFill>
+                  <a:srgbClr val="00B050"/>
+                </a:solidFill>
+              </a:rPr>
               <a:t> python</a:t>
             </a:r>
           </a:p>
@@ -23990,12 +24373,36 @@
               <a:buNone/>
             </a:pPr>
             <a:r>
-              <a:rPr lang="en-US" altLang="en-US" dirty="0"/>
+              <a:rPr lang="en-US" altLang="en-US" dirty="0">
+                <a:solidFill>
+                  <a:srgbClr val="FF0000"/>
+                </a:solidFill>
+              </a:rPr>
               <a:t>f</a:t>
             </a:r>
             <a:r>
+              <a:rPr lang="en-US" altLang="en-US" b="0" dirty="0" smtClean="0">
+                <a:solidFill>
+                  <a:srgbClr val="FF0000"/>
+                </a:solidFill>
+              </a:rPr>
+              <a:t>rom</a:t>
+            </a:r>
+            <a:r>
               <a:rPr lang="en-US" altLang="en-US" b="0" dirty="0" smtClean="0"/>
-              <a:t>rom __future__ import division, </a:t>
+              <a:t> __future__ </a:t>
+            </a:r>
+            <a:r>
+              <a:rPr lang="en-US" altLang="en-US" b="0" dirty="0" smtClean="0">
+                <a:solidFill>
+                  <a:srgbClr val="FF0000"/>
+                </a:solidFill>
+              </a:rPr>
+              <a:t>import</a:t>
+            </a:r>
+            <a:r>
+              <a:rPr lang="en-US" altLang="en-US" b="0" dirty="0" smtClean="0"/>
+              <a:t> division, </a:t>
             </a:r>
             <a:r>
               <a:rPr lang="en-US" altLang="en-US" b="0" dirty="0" err="1" smtClean="0"/>
@@ -24017,7 +24424,11 @@
             </a:pPr>
             <a:r>
               <a:rPr lang="en-US" altLang="en-US" b="0" dirty="0" smtClean="0"/>
-              <a:t>print(‘hello world’)</a:t>
+              <a:t>print(‘hello world</a:t>
+            </a:r>
+            <a:r>
+              <a:rPr lang="en-US" altLang="en-US" b="0" dirty="0" smtClean="0"/>
+              <a:t>’)</a:t>
             </a:r>
           </a:p>
           <a:p>
@@ -24026,10 +24437,93 @@
               <a:buNone/>
             </a:pPr>
             <a:r>
+              <a:rPr lang="en-US" altLang="en-US" dirty="0"/>
+              <a:t>p</a:t>
+            </a:r>
+            <a:r>
               <a:rPr lang="en-US" altLang="en-US" dirty="0" smtClean="0"/>
-              <a:t>print(‘3/4 is’, 3/4)  # this prints 0.75</a:t>
+              <a:t>rint(“hello world”)</a:t>
             </a:r>
             <a:endParaRPr lang="en-US" altLang="en-US" b="0" dirty="0" smtClean="0"/>
+          </a:p>
+          <a:p>
+            <a:pPr>
+              <a:buFont typeface="Symbol" panose="05050102010706020507" pitchFamily="18" charset="2"/>
+              <a:buNone/>
+            </a:pPr>
+            <a:r>
+              <a:rPr lang="en-US" altLang="en-US" dirty="0" smtClean="0"/>
+              <a:t>print(‘3/4 is’, 3/4)  </a:t>
+            </a:r>
+            <a:r>
+              <a:rPr lang="en-US" altLang="en-US" dirty="0" smtClean="0">
+                <a:solidFill>
+                  <a:srgbClr val="00B050"/>
+                </a:solidFill>
+              </a:rPr>
+              <a:t># this prints </a:t>
+            </a:r>
+            <a:r>
+              <a:rPr lang="en-US" altLang="en-US" dirty="0" smtClean="0">
+                <a:solidFill>
+                  <a:srgbClr val="00B050"/>
+                </a:solidFill>
+              </a:rPr>
+              <a:t>0.75</a:t>
+            </a:r>
+          </a:p>
+          <a:p>
+            <a:pPr>
+              <a:buFont typeface="Symbol" panose="05050102010706020507" pitchFamily="18" charset="2"/>
+              <a:buNone/>
+            </a:pPr>
+            <a:r>
+              <a:rPr lang="en-US" altLang="en-US" dirty="0"/>
+              <a:t>p</a:t>
+            </a:r>
+            <a:r>
+              <a:rPr lang="en-US" altLang="en-US" b="0" dirty="0" smtClean="0"/>
+              <a:t>rint(‘I am {} and I am {} </a:t>
+            </a:r>
+            <a:r>
+              <a:rPr lang="en-US" altLang="en-US" b="0" dirty="0" err="1" smtClean="0"/>
+              <a:t>yrs</a:t>
+            </a:r>
+            <a:r>
+              <a:rPr lang="en-US" altLang="en-US" b="0" dirty="0" smtClean="0"/>
+              <a:t> </a:t>
+            </a:r>
+            <a:r>
+              <a:rPr lang="en-US" altLang="en-US" b="0" dirty="0" err="1" smtClean="0"/>
+              <a:t>old’.format</a:t>
+            </a:r>
+            <a:r>
+              <a:rPr lang="en-US" altLang="en-US" b="0" dirty="0" smtClean="0"/>
+              <a:t>(‘kevin’, 45))</a:t>
+            </a:r>
+          </a:p>
+          <a:p>
+            <a:pPr>
+              <a:buFont typeface="Symbol" panose="05050102010706020507" pitchFamily="18" charset="2"/>
+              <a:buNone/>
+            </a:pPr>
+            <a:r>
+              <a:rPr lang="en-US" altLang="en-US" b="0" dirty="0" smtClean="0"/>
+              <a:t>print(‘float: {:5.1f}’.format(3.1424567))  </a:t>
+            </a:r>
+            <a:r>
+              <a:rPr lang="en-US" altLang="en-US" b="0" dirty="0" smtClean="0">
+                <a:solidFill>
+                  <a:srgbClr val="00B050"/>
+                </a:solidFill>
+              </a:rPr>
+              <a:t># prints float:   3.1</a:t>
+            </a:r>
+            <a:endParaRPr lang="en-US" altLang="en-US" b="0" dirty="0" smtClean="0">
+              <a:solidFill>
+                <a:srgbClr val="00B050"/>
+              </a:solidFill>
+            </a:endParaRPr>
           </a:p>
           <a:p>
             <a:pPr>
@@ -24330,7 +24824,7 @@
   <a:extraClrSchemeLst/>
   <a:extLst>
     <a:ext uri="{05A4C25C-085E-4340-85A3-A5531E510DB2}">
-      <thm15:themeFamily xmlns:thm15="http://schemas.microsoft.com/office/thememl/2012/main" xmlns="" name="Office Theme" id="{62F939B6-93AF-4DB8-9C6B-D6C7DFDC589F}" vid="{4A3C46E8-61CC-4603-A589-7422A47A8E4A}"/>
+      <thm15:themeFamily xmlns="" xmlns:thm15="http://schemas.microsoft.com/office/thememl/2012/main" name="Office Theme" id="{62F939B6-93AF-4DB8-9C6B-D6C7DFDC589F}" vid="{4A3C46E8-61CC-4603-A589-7422A47A8E4A}"/>
     </a:ext>
   </a:extLst>
 </a:theme>
@@ -24591,7 +25085,7 @@
   <a:extraClrSchemeLst/>
   <a:extLst>
     <a:ext uri="{05A4C25C-085E-4340-85A3-A5531E510DB2}">
-      <thm15:themeFamily xmlns:thm15="http://schemas.microsoft.com/office/thememl/2012/main" xmlns="" name="Office Theme" id="{62F939B6-93AF-4DB8-9C6B-D6C7DFDC589F}" vid="{4A3C46E8-61CC-4603-A589-7422A47A8E4A}"/>
+      <thm15:themeFamily xmlns="" xmlns:thm15="http://schemas.microsoft.com/office/thememl/2012/main" name="Office Theme" id="{62F939B6-93AF-4DB8-9C6B-D6C7DFDC589F}" vid="{4A3C46E8-61CC-4603-A589-7422A47A8E4A}"/>
     </a:ext>
   </a:extLst>
 </a:theme>

--- a/lessons/block_1_basics/lsn4-python.pptx
+++ b/lessons/block_1_basics/lsn4-python.pptx
@@ -142,7 +142,7 @@
   </p:defaultTextStyle>
   <p:extLst>
     <p:ext uri="{EFAFB233-063F-42B5-8137-9DF3F51BA10A}">
-      <p15:sldGuideLst xmlns="" xmlns:p15="http://schemas.microsoft.com/office/powerpoint/2012/main"/>
+      <p15:sldGuideLst xmlns:p15="http://schemas.microsoft.com/office/powerpoint/2012/main" xmlns=""/>
     </p:ext>
   </p:extLst>
 </p:presentation>
@@ -230,7 +230,7 @@
           <a:p>
             <a:fld id="{BC811BEE-337F-4C7C-84E9-88C0950F901C}" type="datetimeFigureOut">
               <a:rPr lang="en-US" smtClean="0"/>
-              <a:t>8/28/2017</a:t>
+              <a:t>9/1/2017</a:t>
             </a:fld>
             <a:endParaRPr lang="en-US"/>
           </a:p>
@@ -1935,7 +1935,7 @@
           <a:p>
             <a:fld id="{83D215D1-042B-430B-BFF1-B4A81C183E23}" type="datetimeFigureOut">
               <a:rPr lang="en-US" smtClean="0"/>
-              <a:t>8/28/2017</a:t>
+              <a:t>9/1/2017</a:t>
             </a:fld>
             <a:endParaRPr lang="en-US"/>
           </a:p>
@@ -2105,7 +2105,7 @@
           <a:p>
             <a:fld id="{83D215D1-042B-430B-BFF1-B4A81C183E23}" type="datetimeFigureOut">
               <a:rPr lang="en-US" smtClean="0"/>
-              <a:t>8/28/2017</a:t>
+              <a:t>9/1/2017</a:t>
             </a:fld>
             <a:endParaRPr lang="en-US"/>
           </a:p>
@@ -2285,7 +2285,7 @@
           <a:p>
             <a:fld id="{83D215D1-042B-430B-BFF1-B4A81C183E23}" type="datetimeFigureOut">
               <a:rPr lang="en-US" smtClean="0"/>
-              <a:t>8/28/2017</a:t>
+              <a:t>9/1/2017</a:t>
             </a:fld>
             <a:endParaRPr lang="en-US"/>
           </a:p>
@@ -2455,7 +2455,7 @@
           <a:p>
             <a:fld id="{83D215D1-042B-430B-BFF1-B4A81C183E23}" type="datetimeFigureOut">
               <a:rPr lang="en-US" smtClean="0"/>
-              <a:t>8/28/2017</a:t>
+              <a:t>9/1/2017</a:t>
             </a:fld>
             <a:endParaRPr lang="en-US"/>
           </a:p>
@@ -2701,7 +2701,7 @@
           <a:p>
             <a:fld id="{83D215D1-042B-430B-BFF1-B4A81C183E23}" type="datetimeFigureOut">
               <a:rPr lang="en-US" smtClean="0"/>
-              <a:t>8/28/2017</a:t>
+              <a:t>9/1/2017</a:t>
             </a:fld>
             <a:endParaRPr lang="en-US"/>
           </a:p>
@@ -2933,7 +2933,7 @@
           <a:p>
             <a:fld id="{83D215D1-042B-430B-BFF1-B4A81C183E23}" type="datetimeFigureOut">
               <a:rPr lang="en-US" smtClean="0"/>
-              <a:t>8/28/2017</a:t>
+              <a:t>9/1/2017</a:t>
             </a:fld>
             <a:endParaRPr lang="en-US"/>
           </a:p>
@@ -3300,7 +3300,7 @@
           <a:p>
             <a:fld id="{83D215D1-042B-430B-BFF1-B4A81C183E23}" type="datetimeFigureOut">
               <a:rPr lang="en-US" smtClean="0"/>
-              <a:t>8/28/2017</a:t>
+              <a:t>9/1/2017</a:t>
             </a:fld>
             <a:endParaRPr lang="en-US"/>
           </a:p>
@@ -3418,7 +3418,7 @@
           <a:p>
             <a:fld id="{83D215D1-042B-430B-BFF1-B4A81C183E23}" type="datetimeFigureOut">
               <a:rPr lang="en-US" smtClean="0"/>
-              <a:t>8/28/2017</a:t>
+              <a:t>9/1/2017</a:t>
             </a:fld>
             <a:endParaRPr lang="en-US"/>
           </a:p>
@@ -3513,7 +3513,7 @@
           <a:p>
             <a:fld id="{83D215D1-042B-430B-BFF1-B4A81C183E23}" type="datetimeFigureOut">
               <a:rPr lang="en-US" smtClean="0"/>
-              <a:t>8/28/2017</a:t>
+              <a:t>9/1/2017</a:t>
             </a:fld>
             <a:endParaRPr lang="en-US"/>
           </a:p>
@@ -3790,7 +3790,7 @@
           <a:p>
             <a:fld id="{83D215D1-042B-430B-BFF1-B4A81C183E23}" type="datetimeFigureOut">
               <a:rPr lang="en-US" smtClean="0"/>
-              <a:t>8/28/2017</a:t>
+              <a:t>9/1/2017</a:t>
             </a:fld>
             <a:endParaRPr lang="en-US"/>
           </a:p>
@@ -4043,7 +4043,7 @@
           <a:p>
             <a:fld id="{83D215D1-042B-430B-BFF1-B4A81C183E23}" type="datetimeFigureOut">
               <a:rPr lang="en-US" smtClean="0"/>
-              <a:t>8/28/2017</a:t>
+              <a:t>9/1/2017</a:t>
             </a:fld>
             <a:endParaRPr lang="en-US"/>
           </a:p>
@@ -4256,7 +4256,7 @@
           <a:p>
             <a:fld id="{83D215D1-042B-430B-BFF1-B4A81C183E23}" type="datetimeFigureOut">
               <a:rPr lang="en-US" smtClean="0"/>
-              <a:t>8/28/2017</a:t>
+              <a:t>9/1/2017</a:t>
             </a:fld>
             <a:endParaRPr lang="en-US"/>
           </a:p>
@@ -6915,9 +6915,14 @@
           <a:lstStyle/>
           <a:p>
             <a:r>
-              <a:rPr lang="en-US" altLang="en-US"/>
-              <a:t>Catching Exceptions</a:t>
-            </a:r>
+              <a:rPr lang="en-US" altLang="en-US" dirty="0"/>
+              <a:t>Catching </a:t>
+            </a:r>
+            <a:r>
+              <a:rPr lang="en-US" altLang="en-US" dirty="0" smtClean="0"/>
+              <a:t>Exceptions (Errors)</a:t>
+            </a:r>
+            <a:endParaRPr lang="en-US" altLang="en-US" dirty="0"/>
           </a:p>
         </p:txBody>
       </p:sp>
@@ -7149,9 +7154,14 @@
           <a:lstStyle/>
           <a:p>
             <a:r>
-              <a:rPr lang="en-US" altLang="en-US"/>
-              <a:t>Raising Exceptions</a:t>
-            </a:r>
+              <a:rPr lang="en-US" altLang="en-US" dirty="0"/>
+              <a:t>Raising </a:t>
+            </a:r>
+            <a:r>
+              <a:rPr lang="en-US" altLang="en-US" dirty="0" smtClean="0"/>
+              <a:t>Exceptions (Errors)</a:t>
+            </a:r>
+            <a:endParaRPr lang="en-US" altLang="en-US" dirty="0"/>
           </a:p>
         </p:txBody>
       </p:sp>
@@ -7203,11 +7213,7 @@
             </a:r>
             <a:r>
               <a:rPr lang="en-US" altLang="en-US" dirty="0"/>
-              <a:t>("</a:t>
-            </a:r>
-            <a:r>
-              <a:rPr lang="en-US" altLang="en-US" dirty="0"/>
-              <a:t>k out of range")</a:t>
+              <a:t>("k out of range")</a:t>
             </a:r>
           </a:p>
           <a:p>
@@ -7225,11 +7231,7 @@
             </a:r>
             <a:r>
               <a:rPr lang="en-US" altLang="en-US" dirty="0"/>
-              <a:t>, </a:t>
-            </a:r>
-            <a:r>
-              <a:rPr lang="en-US" altLang="en-US" dirty="0"/>
-              <a:t>"k out of range"</a:t>
+              <a:t>, "k out of range"</a:t>
             </a:r>
           </a:p>
           <a:p>
@@ -8673,7 +8675,7 @@
         </p:blipFill>
         <p:spPr bwMode="auto">
           <a:xfrm>
-            <a:off x="8382001" y="1981200"/>
+            <a:off x="8548256" y="3124200"/>
             <a:ext cx="2151063" cy="2012950"/>
           </a:xfrm>
           <a:prstGeom prst="rect">
@@ -8783,7 +8785,7 @@
         </p:blipFill>
         <p:spPr bwMode="auto">
           <a:xfrm>
-            <a:off x="7924800" y="4837114"/>
+            <a:off x="8071716" y="4722814"/>
             <a:ext cx="2590800" cy="2020887"/>
           </a:xfrm>
           <a:prstGeom prst="rect">
@@ -9346,7 +9348,7 @@
         </p:blipFill>
         <p:spPr bwMode="auto">
           <a:xfrm>
-            <a:off x="7239000" y="1676401"/>
+            <a:off x="7706591" y="2424547"/>
             <a:ext cx="3321050" cy="2155825"/>
           </a:xfrm>
           <a:prstGeom prst="rect">
@@ -9699,7 +9701,7 @@
         </p:blipFill>
         <p:spPr bwMode="auto">
           <a:xfrm>
-            <a:off x="7620000" y="2514600"/>
+            <a:off x="7775864" y="2961409"/>
             <a:ext cx="2895600" cy="2755900"/>
           </a:xfrm>
           <a:prstGeom prst="rect">
@@ -23370,7 +23372,26 @@
             </a:r>
             <a:r>
               <a:rPr lang="en-US" dirty="0" smtClean="0"/>
-              <a:t>, Walmart and Google (YouTube)</a:t>
+              <a:t>, Walmart and Google (YouTube</a:t>
+            </a:r>
+            <a:r>
+              <a:rPr lang="en-US" dirty="0" smtClean="0"/>
+              <a:t>)</a:t>
+            </a:r>
+          </a:p>
+          <a:p>
+            <a:pPr lvl="1"/>
+            <a:r>
+              <a:rPr lang="en-US" dirty="0" smtClean="0"/>
+              <a:t>Note: </a:t>
+            </a:r>
+            <a:r>
+              <a:rPr lang="en-US" altLang="en-US" dirty="0"/>
+              <a:t>Guido van Rossum </a:t>
+            </a:r>
+            <a:r>
+              <a:rPr lang="en-US" altLang="en-US" dirty="0" smtClean="0"/>
+              <a:t>worked for Google and now works for Dropbox</a:t>
             </a:r>
             <a:endParaRPr lang="en-US" dirty="0"/>
           </a:p>
@@ -24424,11 +24445,7 @@
             </a:pPr>
             <a:r>
               <a:rPr lang="en-US" altLang="en-US" b="0" dirty="0" smtClean="0"/>
-              <a:t>print(‘hello world</a:t>
-            </a:r>
-            <a:r>
-              <a:rPr lang="en-US" altLang="en-US" b="0" dirty="0" smtClean="0"/>
-              <a:t>’)</a:t>
+              <a:t>print(‘hello world’)</a:t>
             </a:r>
           </a:p>
           <a:p>
@@ -24461,15 +24478,7 @@
                   <a:srgbClr val="00B050"/>
                 </a:solidFill>
               </a:rPr>
-              <a:t># this prints </a:t>
-            </a:r>
-            <a:r>
-              <a:rPr lang="en-US" altLang="en-US" dirty="0" smtClean="0">
-                <a:solidFill>
-                  <a:srgbClr val="00B050"/>
-                </a:solidFill>
-              </a:rPr>
-              <a:t>0.75</a:t>
+              <a:t># this prints 0.75</a:t>
             </a:r>
           </a:p>
           <a:p>
@@ -24519,11 +24528,6 @@
               </a:rPr>
               <a:t># prints float:   3.1</a:t>
             </a:r>
-            <a:endParaRPr lang="en-US" altLang="en-US" b="0" dirty="0" smtClean="0">
-              <a:solidFill>
-                <a:srgbClr val="00B050"/>
-              </a:solidFill>
-            </a:endParaRPr>
           </a:p>
           <a:p>
             <a:pPr>
@@ -24824,7 +24828,7 @@
   <a:extraClrSchemeLst/>
   <a:extLst>
     <a:ext uri="{05A4C25C-085E-4340-85A3-A5531E510DB2}">
-      <thm15:themeFamily xmlns="" xmlns:thm15="http://schemas.microsoft.com/office/thememl/2012/main" name="Office Theme" id="{62F939B6-93AF-4DB8-9C6B-D6C7DFDC589F}" vid="{4A3C46E8-61CC-4603-A589-7422A47A8E4A}"/>
+      <thm15:themeFamily xmlns:thm15="http://schemas.microsoft.com/office/thememl/2012/main" xmlns="" name="Office Theme" id="{62F939B6-93AF-4DB8-9C6B-D6C7DFDC589F}" vid="{4A3C46E8-61CC-4603-A589-7422A47A8E4A}"/>
     </a:ext>
   </a:extLst>
 </a:theme>
@@ -25085,7 +25089,7 @@
   <a:extraClrSchemeLst/>
   <a:extLst>
     <a:ext uri="{05A4C25C-085E-4340-85A3-A5531E510DB2}">
-      <thm15:themeFamily xmlns="" xmlns:thm15="http://schemas.microsoft.com/office/thememl/2012/main" name="Office Theme" id="{62F939B6-93AF-4DB8-9C6B-D6C7DFDC589F}" vid="{4A3C46E8-61CC-4603-A589-7422A47A8E4A}"/>
+      <thm15:themeFamily xmlns:thm15="http://schemas.microsoft.com/office/thememl/2012/main" xmlns="" name="Office Theme" id="{62F939B6-93AF-4DB8-9C6B-D6C7DFDC589F}" vid="{4A3C46E8-61CC-4603-A589-7422A47A8E4A}"/>
     </a:ext>
   </a:extLst>
 </a:theme>
